--- a/figures/框图集.pptx
+++ b/figures/框图集.pptx
@@ -201,7 +201,7 @@
           <a:p>
             <a:fld id="{44091B55-B58B-734D-8EA7-5A9B4C46F7DF}" type="datetimeFigureOut">
               <a:rPr kumimoji="1" lang="zh-CN" altLang="en-US" smtClean="0"/>
-              <a:t>2025/2/17</a:t>
+              <a:t>2025/2/22</a:t>
             </a:fld>
             <a:endParaRPr kumimoji="1" lang="zh-CN" altLang="en-US"/>
           </a:p>
@@ -923,7 +923,7 @@
           <a:p>
             <a:fld id="{7CAC3BCC-B18C-5C46-A45E-D86B557CA5D5}" type="datetimeFigureOut">
               <a:rPr kumimoji="1" lang="zh-CN" altLang="en-US" smtClean="0"/>
-              <a:t>2025/2/17</a:t>
+              <a:t>2025/2/22</a:t>
             </a:fld>
             <a:endParaRPr kumimoji="1" lang="zh-CN" altLang="en-US"/>
           </a:p>
@@ -1093,7 +1093,7 @@
           <a:p>
             <a:fld id="{7CAC3BCC-B18C-5C46-A45E-D86B557CA5D5}" type="datetimeFigureOut">
               <a:rPr kumimoji="1" lang="zh-CN" altLang="en-US" smtClean="0"/>
-              <a:t>2025/2/17</a:t>
+              <a:t>2025/2/22</a:t>
             </a:fld>
             <a:endParaRPr kumimoji="1" lang="zh-CN" altLang="en-US"/>
           </a:p>
@@ -1273,7 +1273,7 @@
           <a:p>
             <a:fld id="{7CAC3BCC-B18C-5C46-A45E-D86B557CA5D5}" type="datetimeFigureOut">
               <a:rPr kumimoji="1" lang="zh-CN" altLang="en-US" smtClean="0"/>
-              <a:t>2025/2/17</a:t>
+              <a:t>2025/2/22</a:t>
             </a:fld>
             <a:endParaRPr kumimoji="1" lang="zh-CN" altLang="en-US"/>
           </a:p>
@@ -1443,7 +1443,7 @@
           <a:p>
             <a:fld id="{7CAC3BCC-B18C-5C46-A45E-D86B557CA5D5}" type="datetimeFigureOut">
               <a:rPr kumimoji="1" lang="zh-CN" altLang="en-US" smtClean="0"/>
-              <a:t>2025/2/17</a:t>
+              <a:t>2025/2/22</a:t>
             </a:fld>
             <a:endParaRPr kumimoji="1" lang="zh-CN" altLang="en-US"/>
           </a:p>
@@ -1689,7 +1689,7 @@
           <a:p>
             <a:fld id="{7CAC3BCC-B18C-5C46-A45E-D86B557CA5D5}" type="datetimeFigureOut">
               <a:rPr kumimoji="1" lang="zh-CN" altLang="en-US" smtClean="0"/>
-              <a:t>2025/2/17</a:t>
+              <a:t>2025/2/22</a:t>
             </a:fld>
             <a:endParaRPr kumimoji="1" lang="zh-CN" altLang="en-US"/>
           </a:p>
@@ -1921,7 +1921,7 @@
           <a:p>
             <a:fld id="{7CAC3BCC-B18C-5C46-A45E-D86B557CA5D5}" type="datetimeFigureOut">
               <a:rPr kumimoji="1" lang="zh-CN" altLang="en-US" smtClean="0"/>
-              <a:t>2025/2/17</a:t>
+              <a:t>2025/2/22</a:t>
             </a:fld>
             <a:endParaRPr kumimoji="1" lang="zh-CN" altLang="en-US"/>
           </a:p>
@@ -2288,7 +2288,7 @@
           <a:p>
             <a:fld id="{7CAC3BCC-B18C-5C46-A45E-D86B557CA5D5}" type="datetimeFigureOut">
               <a:rPr kumimoji="1" lang="zh-CN" altLang="en-US" smtClean="0"/>
-              <a:t>2025/2/17</a:t>
+              <a:t>2025/2/22</a:t>
             </a:fld>
             <a:endParaRPr kumimoji="1" lang="zh-CN" altLang="en-US"/>
           </a:p>
@@ -2406,7 +2406,7 @@
           <a:p>
             <a:fld id="{7CAC3BCC-B18C-5C46-A45E-D86B557CA5D5}" type="datetimeFigureOut">
               <a:rPr kumimoji="1" lang="zh-CN" altLang="en-US" smtClean="0"/>
-              <a:t>2025/2/17</a:t>
+              <a:t>2025/2/22</a:t>
             </a:fld>
             <a:endParaRPr kumimoji="1" lang="zh-CN" altLang="en-US"/>
           </a:p>
@@ -2501,7 +2501,7 @@
           <a:p>
             <a:fld id="{7CAC3BCC-B18C-5C46-A45E-D86B557CA5D5}" type="datetimeFigureOut">
               <a:rPr kumimoji="1" lang="zh-CN" altLang="en-US" smtClean="0"/>
-              <a:t>2025/2/17</a:t>
+              <a:t>2025/2/22</a:t>
             </a:fld>
             <a:endParaRPr kumimoji="1" lang="zh-CN" altLang="en-US"/>
           </a:p>
@@ -2778,7 +2778,7 @@
           <a:p>
             <a:fld id="{7CAC3BCC-B18C-5C46-A45E-D86B557CA5D5}" type="datetimeFigureOut">
               <a:rPr kumimoji="1" lang="zh-CN" altLang="en-US" smtClean="0"/>
-              <a:t>2025/2/17</a:t>
+              <a:t>2025/2/22</a:t>
             </a:fld>
             <a:endParaRPr kumimoji="1" lang="zh-CN" altLang="en-US"/>
           </a:p>
@@ -3035,7 +3035,7 @@
           <a:p>
             <a:fld id="{7CAC3BCC-B18C-5C46-A45E-D86B557CA5D5}" type="datetimeFigureOut">
               <a:rPr kumimoji="1" lang="zh-CN" altLang="en-US" smtClean="0"/>
-              <a:t>2025/2/17</a:t>
+              <a:t>2025/2/22</a:t>
             </a:fld>
             <a:endParaRPr kumimoji="1" lang="zh-CN" altLang="en-US"/>
           </a:p>
@@ -3248,7 +3248,7 @@
           <a:p>
             <a:fld id="{7CAC3BCC-B18C-5C46-A45E-D86B557CA5D5}" type="datetimeFigureOut">
               <a:rPr kumimoji="1" lang="zh-CN" altLang="en-US" smtClean="0"/>
-              <a:t>2025/2/17</a:t>
+              <a:t>2025/2/22</a:t>
             </a:fld>
             <a:endParaRPr kumimoji="1" lang="zh-CN" altLang="en-US"/>
           </a:p>
@@ -8144,8 +8144,8 @@
         </p:nvSpPr>
         <p:spPr>
           <a:xfrm>
-            <a:off x="5881805" y="2286456"/>
-            <a:ext cx="2071401" cy="400110"/>
+            <a:off x="6171950" y="2286456"/>
+            <a:ext cx="1491113" cy="400110"/>
           </a:xfrm>
           <a:prstGeom prst="rect">
             <a:avLst/>
@@ -8160,16 +8160,13 @@
           <a:p>
             <a:pPr algn="ctr"/>
             <a:r>
-              <a:rPr kumimoji="1" lang="en-US" altLang="zh-CN" sz="2000" b="1" dirty="0">
-                <a:latin typeface="Times New Roman" panose="02020603050405020304" pitchFamily="18" charset="0"/>
+              <a:rPr kumimoji="1" lang="zh-CN" altLang="en-US" sz="2000" b="1" dirty="0">
+                <a:latin typeface="SimSun" panose="02010600030101010101" pitchFamily="2" charset="-122"/>
+                <a:ea typeface="SimSun" panose="02010600030101010101" pitchFamily="2" charset="-122"/>
                 <a:cs typeface="Times New Roman" panose="02020603050405020304" pitchFamily="18" charset="0"/>
               </a:rPr>
-              <a:t>Coarse Matching</a:t>
+              <a:t>粗粒度匹配</a:t>
             </a:r>
-            <a:endParaRPr kumimoji="1" lang="zh-CN" altLang="en-US" sz="2000" b="1" dirty="0">
-              <a:latin typeface="Times New Roman" panose="02020603050405020304" pitchFamily="18" charset="0"/>
-              <a:cs typeface="Times New Roman" panose="02020603050405020304" pitchFamily="18" charset="0"/>
-            </a:endParaRPr>
           </a:p>
         </p:txBody>
       </p:sp>
@@ -8371,8 +8368,8 @@
           </p:nvSpPr>
           <p:spPr>
             <a:xfrm>
-              <a:off x="3715604" y="3893378"/>
-              <a:ext cx="1252266" cy="707886"/>
+              <a:off x="3858273" y="3893378"/>
+              <a:ext cx="966932" cy="707886"/>
             </a:xfrm>
             <a:prstGeom prst="rect">
               <a:avLst/>
@@ -8387,26 +8384,29 @@
             <a:p>
               <a:pPr algn="ctr"/>
               <a:r>
-                <a:rPr kumimoji="1" lang="en-US" altLang="zh-CN" sz="2000" b="1" dirty="0">
-                  <a:latin typeface="Times New Roman" panose="02020603050405020304" pitchFamily="18" charset="0"/>
+                <a:rPr kumimoji="1" lang="zh-CN" altLang="en-US" sz="2000" b="1" dirty="0">
+                  <a:latin typeface="SimSun" panose="02010600030101010101" pitchFamily="2" charset="-122"/>
+                  <a:ea typeface="SimSun" panose="02010600030101010101" pitchFamily="2" charset="-122"/>
                   <a:cs typeface="Times New Roman" panose="02020603050405020304" pitchFamily="18" charset="0"/>
                 </a:rPr>
-                <a:t>Feature</a:t>
+                <a:t>特征</a:t>
               </a:r>
+              <a:endParaRPr kumimoji="1" lang="en-US" altLang="zh-CN" sz="2000" b="1" dirty="0">
+                <a:latin typeface="SimSun" panose="02010600030101010101" pitchFamily="2" charset="-122"/>
+                <a:ea typeface="SimSun" panose="02010600030101010101" pitchFamily="2" charset="-122"/>
+                <a:cs typeface="Times New Roman" panose="02020603050405020304" pitchFamily="18" charset="0"/>
+              </a:endParaRPr>
             </a:p>
             <a:p>
               <a:pPr algn="ctr"/>
               <a:r>
-                <a:rPr kumimoji="1" lang="en-US" altLang="zh-CN" sz="2000" b="1" dirty="0">
-                  <a:latin typeface="Times New Roman" panose="02020603050405020304" pitchFamily="18" charset="0"/>
+                <a:rPr kumimoji="1" lang="zh-CN" altLang="en-US" sz="2000" b="1" dirty="0">
+                  <a:latin typeface="SimSun" panose="02010600030101010101" pitchFamily="2" charset="-122"/>
+                  <a:ea typeface="SimSun" panose="02010600030101010101" pitchFamily="2" charset="-122"/>
                   <a:cs typeface="Times New Roman" panose="02020603050405020304" pitchFamily="18" charset="0"/>
                 </a:rPr>
-                <a:t>Extractor</a:t>
+                <a:t>提取器</a:t>
               </a:r>
-              <a:endParaRPr kumimoji="1" lang="zh-CN" altLang="en-US" sz="2000" b="1" dirty="0">
-                <a:latin typeface="Times New Roman" panose="02020603050405020304" pitchFamily="18" charset="0"/>
-                <a:cs typeface="Times New Roman" panose="02020603050405020304" pitchFamily="18" charset="0"/>
-              </a:endParaRPr>
             </a:p>
           </p:txBody>
         </p:sp>
@@ -8850,8 +8850,8 @@
         </p:nvSpPr>
         <p:spPr>
           <a:xfrm>
-            <a:off x="9460306" y="3103815"/>
-            <a:ext cx="1279517" cy="400110"/>
+            <a:off x="9354508" y="3103815"/>
+            <a:ext cx="1491114" cy="400110"/>
           </a:xfrm>
           <a:prstGeom prst="rect">
             <a:avLst/>
@@ -8865,22 +8865,16 @@
           <a:lstStyle/>
           <a:p>
             <a:r>
-              <a:rPr kumimoji="1" lang="en-US" altLang="zh-CN" sz="2000" b="1" dirty="0">
+              <a:rPr kumimoji="1" lang="zh-CN" altLang="en-US" sz="2000" b="1" dirty="0">
                 <a:solidFill>
                   <a:srgbClr val="79438E"/>
                 </a:solidFill>
-                <a:latin typeface="Times New Roman" panose="02020603050405020304" pitchFamily="18" charset="0"/>
+                <a:latin typeface="SimSun" panose="02010600030101010101" pitchFamily="2" charset="-122"/>
+                <a:ea typeface="SimSun" panose="02010600030101010101" pitchFamily="2" charset="-122"/>
                 <a:cs typeface="Times New Roman" panose="02020603050405020304" pitchFamily="18" charset="0"/>
               </a:rPr>
-              <a:t>Keyframe</a:t>
+              <a:t>地图关键帧</a:t>
             </a:r>
-            <a:endParaRPr kumimoji="1" lang="zh-CN" altLang="en-US" sz="2000" b="1" dirty="0">
-              <a:solidFill>
-                <a:srgbClr val="79438E"/>
-              </a:solidFill>
-              <a:latin typeface="Times New Roman" panose="02020603050405020304" pitchFamily="18" charset="0"/>
-              <a:cs typeface="Times New Roman" panose="02020603050405020304" pitchFamily="18" charset="0"/>
-            </a:endParaRPr>
           </a:p>
         </p:txBody>
       </p:sp>
@@ -8898,8 +8892,8 @@
         </p:nvSpPr>
         <p:spPr>
           <a:xfrm>
-            <a:off x="12049837" y="3108555"/>
-            <a:ext cx="881973" cy="400110"/>
+            <a:off x="11792092" y="3100555"/>
+            <a:ext cx="1491114" cy="400110"/>
           </a:xfrm>
           <a:prstGeom prst="rect">
             <a:avLst/>
@@ -8913,22 +8907,16 @@
           <a:lstStyle/>
           <a:p>
             <a:r>
-              <a:rPr kumimoji="1" lang="en-US" altLang="zh-CN" sz="2000" b="1" dirty="0">
+              <a:rPr kumimoji="1" lang="zh-CN" altLang="en-US" sz="2000" b="1" dirty="0">
                 <a:solidFill>
                   <a:srgbClr val="C82423"/>
                 </a:solidFill>
-                <a:latin typeface="Times New Roman" panose="02020603050405020304" pitchFamily="18" charset="0"/>
+                <a:latin typeface="SimSun" panose="02010600030101010101" pitchFamily="2" charset="-122"/>
+                <a:ea typeface="SimSun" panose="02010600030101010101" pitchFamily="2" charset="-122"/>
                 <a:cs typeface="Times New Roman" panose="02020603050405020304" pitchFamily="18" charset="0"/>
               </a:rPr>
-              <a:t>Image</a:t>
+              <a:t>待定位图像</a:t>
             </a:r>
-            <a:endParaRPr kumimoji="1" lang="zh-CN" altLang="en-US" sz="2000" b="1" dirty="0">
-              <a:solidFill>
-                <a:srgbClr val="C82423"/>
-              </a:solidFill>
-              <a:latin typeface="Times New Roman" panose="02020603050405020304" pitchFamily="18" charset="0"/>
-              <a:cs typeface="Times New Roman" panose="02020603050405020304" pitchFamily="18" charset="0"/>
-            </a:endParaRPr>
           </a:p>
         </p:txBody>
       </p:sp>
@@ -8946,8 +8934,8 @@
         </p:nvSpPr>
         <p:spPr>
           <a:xfrm>
-            <a:off x="10378927" y="2289595"/>
-            <a:ext cx="1786066" cy="400110"/>
+            <a:off x="10526405" y="2289595"/>
+            <a:ext cx="1491114" cy="400110"/>
           </a:xfrm>
           <a:prstGeom prst="rect">
             <a:avLst/>
@@ -8962,16 +8950,13 @@
           <a:p>
             <a:pPr algn="ctr"/>
             <a:r>
-              <a:rPr kumimoji="1" lang="en-US" altLang="zh-CN" sz="2000" b="1" dirty="0">
-                <a:latin typeface="Times New Roman" panose="02020603050405020304" pitchFamily="18" charset="0"/>
+              <a:rPr kumimoji="1" lang="zh-CN" altLang="en-US" sz="2000" b="1" dirty="0">
+                <a:latin typeface="SimSun" panose="02010600030101010101" pitchFamily="2" charset="-122"/>
+                <a:ea typeface="SimSun" panose="02010600030101010101" pitchFamily="2" charset="-122"/>
                 <a:cs typeface="Times New Roman" panose="02020603050405020304" pitchFamily="18" charset="0"/>
               </a:rPr>
-              <a:t>Fine Matching</a:t>
+              <a:t>细粒度匹配</a:t>
             </a:r>
-            <a:endParaRPr kumimoji="1" lang="zh-CN" altLang="en-US" sz="2000" b="1" dirty="0">
-              <a:latin typeface="Times New Roman" panose="02020603050405020304" pitchFamily="18" charset="0"/>
-              <a:cs typeface="Times New Roman" panose="02020603050405020304" pitchFamily="18" charset="0"/>
-            </a:endParaRPr>
           </a:p>
         </p:txBody>
       </p:sp>
@@ -9034,8 +9019,8 @@
         </p:nvSpPr>
         <p:spPr>
           <a:xfrm>
-            <a:off x="3007022" y="2592322"/>
-            <a:ext cx="1351652" cy="707886"/>
+            <a:off x="3198582" y="2592322"/>
+            <a:ext cx="968535" cy="707886"/>
           </a:xfrm>
           <a:prstGeom prst="rect">
             <a:avLst/>
@@ -9050,35 +9035,38 @@
           <a:p>
             <a:pPr algn="ctr"/>
             <a:r>
-              <a:rPr kumimoji="1" lang="en-US" altLang="zh-CN" sz="2000" b="1" dirty="0">
+              <a:rPr kumimoji="1" lang="zh-CN" altLang="en-US" sz="2000" b="1" dirty="0">
                 <a:solidFill>
                   <a:srgbClr val="FAA419"/>
                 </a:solidFill>
-                <a:latin typeface="Times New Roman" panose="02020603050405020304" pitchFamily="18" charset="0"/>
+                <a:latin typeface="SimSun" panose="02010600030101010101" pitchFamily="2" charset="-122"/>
+                <a:ea typeface="SimSun" panose="02010600030101010101" pitchFamily="2" charset="-122"/>
                 <a:cs typeface="Times New Roman" panose="02020603050405020304" pitchFamily="18" charset="0"/>
               </a:rPr>
-              <a:t>Image</a:t>
+              <a:t>图像</a:t>
             </a:r>
+            <a:endParaRPr kumimoji="1" lang="en-US" altLang="zh-CN" sz="2000" b="1" dirty="0">
+              <a:solidFill>
+                <a:srgbClr val="FAA419"/>
+              </a:solidFill>
+              <a:latin typeface="SimSun" panose="02010600030101010101" pitchFamily="2" charset="-122"/>
+              <a:ea typeface="SimSun" panose="02010600030101010101" pitchFamily="2" charset="-122"/>
+              <a:cs typeface="Times New Roman" panose="02020603050405020304" pitchFamily="18" charset="0"/>
+            </a:endParaRPr>
           </a:p>
           <a:p>
             <a:pPr algn="ctr"/>
             <a:r>
-              <a:rPr kumimoji="1" lang="en-US" altLang="zh-CN" sz="2000" b="1" dirty="0">
+              <a:rPr kumimoji="1" lang="zh-CN" altLang="en-US" sz="2000" b="1" dirty="0">
                 <a:solidFill>
                   <a:srgbClr val="FAA419"/>
                 </a:solidFill>
-                <a:latin typeface="Times New Roman" panose="02020603050405020304" pitchFamily="18" charset="0"/>
+                <a:latin typeface="SimSun" panose="02010600030101010101" pitchFamily="2" charset="-122"/>
+                <a:ea typeface="SimSun" panose="02010600030101010101" pitchFamily="2" charset="-122"/>
                 <a:cs typeface="Times New Roman" panose="02020603050405020304" pitchFamily="18" charset="0"/>
               </a:rPr>
-              <a:t>Descriptor</a:t>
+              <a:t>描述子</a:t>
             </a:r>
-            <a:endParaRPr kumimoji="1" lang="zh-CN" altLang="en-US" sz="2000" b="1" dirty="0">
-              <a:solidFill>
-                <a:srgbClr val="FAA419"/>
-              </a:solidFill>
-              <a:latin typeface="Times New Roman" panose="02020603050405020304" pitchFamily="18" charset="0"/>
-              <a:cs typeface="Times New Roman" panose="02020603050405020304" pitchFamily="18" charset="0"/>
-            </a:endParaRPr>
           </a:p>
         </p:txBody>
       </p:sp>
@@ -9141,8 +9129,8 @@
         </p:nvSpPr>
         <p:spPr>
           <a:xfrm>
-            <a:off x="919933" y="2587959"/>
-            <a:ext cx="1451039" cy="707886"/>
+            <a:off x="1161188" y="2587959"/>
+            <a:ext cx="968535" cy="707886"/>
           </a:xfrm>
           <a:prstGeom prst="rect">
             <a:avLst/>
@@ -9157,35 +9145,38 @@
           <a:p>
             <a:pPr algn="ctr"/>
             <a:r>
-              <a:rPr kumimoji="1" lang="en-US" altLang="zh-CN" sz="2000" b="1" dirty="0">
+              <a:rPr kumimoji="1" lang="zh-CN" altLang="en-US" sz="2000" b="1" dirty="0">
                 <a:solidFill>
                   <a:srgbClr val="00B050"/>
                 </a:solidFill>
-                <a:latin typeface="Times New Roman" panose="02020603050405020304" pitchFamily="18" charset="0"/>
+                <a:latin typeface="SimSun" panose="02010600030101010101" pitchFamily="2" charset="-122"/>
+                <a:ea typeface="SimSun" panose="02010600030101010101" pitchFamily="2" charset="-122"/>
                 <a:cs typeface="Times New Roman" panose="02020603050405020304" pitchFamily="18" charset="0"/>
               </a:rPr>
-              <a:t>Point</a:t>
+              <a:t>特征点</a:t>
             </a:r>
+            <a:endParaRPr kumimoji="1" lang="en-US" altLang="zh-CN" sz="2000" b="1" dirty="0">
+              <a:solidFill>
+                <a:srgbClr val="00B050"/>
+              </a:solidFill>
+              <a:latin typeface="SimSun" panose="02010600030101010101" pitchFamily="2" charset="-122"/>
+              <a:ea typeface="SimSun" panose="02010600030101010101" pitchFamily="2" charset="-122"/>
+              <a:cs typeface="Times New Roman" panose="02020603050405020304" pitchFamily="18" charset="0"/>
+            </a:endParaRPr>
           </a:p>
           <a:p>
             <a:pPr algn="ctr"/>
             <a:r>
-              <a:rPr kumimoji="1" lang="en-US" altLang="zh-CN" sz="2000" b="1" dirty="0">
+              <a:rPr kumimoji="1" lang="zh-CN" altLang="en-US" sz="2000" b="1" dirty="0">
                 <a:solidFill>
                   <a:srgbClr val="00B050"/>
                 </a:solidFill>
-                <a:latin typeface="Times New Roman" panose="02020603050405020304" pitchFamily="18" charset="0"/>
+                <a:latin typeface="SimSun" panose="02010600030101010101" pitchFamily="2" charset="-122"/>
+                <a:ea typeface="SimSun" panose="02010600030101010101" pitchFamily="2" charset="-122"/>
                 <a:cs typeface="Times New Roman" panose="02020603050405020304" pitchFamily="18" charset="0"/>
               </a:rPr>
-              <a:t>Descriptors</a:t>
+              <a:t>描述子</a:t>
             </a:r>
-            <a:endParaRPr kumimoji="1" lang="zh-CN" altLang="en-US" sz="2000" b="1" dirty="0">
-              <a:solidFill>
-                <a:srgbClr val="00B050"/>
-              </a:solidFill>
-              <a:latin typeface="Times New Roman" panose="02020603050405020304" pitchFamily="18" charset="0"/>
-              <a:cs typeface="Times New Roman" panose="02020603050405020304" pitchFamily="18" charset="0"/>
-            </a:endParaRPr>
           </a:p>
         </p:txBody>
       </p:sp>
@@ -10152,7 +10143,7 @@
         <p:spPr>
           <a:xfrm>
             <a:off x="6581631" y="1113608"/>
-            <a:ext cx="2407134" cy="400110"/>
+            <a:ext cx="1752403" cy="400110"/>
           </a:xfrm>
           <a:prstGeom prst="rect">
             <a:avLst/>
@@ -10166,16 +10157,13 @@
           <a:lstStyle/>
           <a:p>
             <a:r>
-              <a:rPr kumimoji="1" lang="en-US" altLang="zh-CN" sz="2000" b="1" dirty="0">
-                <a:latin typeface="Times New Roman" panose="02020603050405020304" pitchFamily="18" charset="0"/>
+              <a:rPr kumimoji="1" lang="zh-CN" altLang="en-US" sz="2000" b="1" dirty="0">
+                <a:latin typeface="SimSun" panose="02010600030101010101" pitchFamily="2" charset="-122"/>
+                <a:ea typeface="SimSun" panose="02010600030101010101" pitchFamily="2" charset="-122"/>
                 <a:cs typeface="Times New Roman" panose="02020603050405020304" pitchFamily="18" charset="0"/>
               </a:rPr>
-              <a:t>Camera Pose Vertex</a:t>
+              <a:t>相机位姿顶点</a:t>
             </a:r>
-            <a:endParaRPr kumimoji="1" lang="zh-CN" altLang="en-US" sz="2000" b="1" dirty="0">
-              <a:latin typeface="Times New Roman" panose="02020603050405020304" pitchFamily="18" charset="0"/>
-              <a:cs typeface="Times New Roman" panose="02020603050405020304" pitchFamily="18" charset="0"/>
-            </a:endParaRPr>
           </a:p>
         </p:txBody>
       </p:sp>
@@ -10246,7 +10234,7 @@
         <p:spPr>
           <a:xfrm>
             <a:off x="6581631" y="1678743"/>
-            <a:ext cx="2912272" cy="400110"/>
+            <a:ext cx="2274982" cy="400110"/>
           </a:xfrm>
           <a:prstGeom prst="rect">
             <a:avLst/>
@@ -10260,16 +10248,13 @@
           <a:lstStyle/>
           <a:p>
             <a:r>
-              <a:rPr kumimoji="1" lang="en-US" altLang="zh-CN" sz="2000" b="1" dirty="0">
-                <a:latin typeface="Times New Roman" panose="02020603050405020304" pitchFamily="18" charset="0"/>
+              <a:rPr kumimoji="1" lang="zh-CN" altLang="en-US" sz="2000" b="1" dirty="0">
+                <a:latin typeface="SimSun" panose="02010600030101010101" pitchFamily="2" charset="-122"/>
+                <a:ea typeface="SimSun" panose="02010600030101010101" pitchFamily="2" charset="-122"/>
                 <a:cs typeface="Times New Roman" panose="02020603050405020304" pitchFamily="18" charset="0"/>
               </a:rPr>
-              <a:t>Point Structures Vertices</a:t>
+              <a:t>地图点云结构顶点</a:t>
             </a:r>
-            <a:endParaRPr kumimoji="1" lang="zh-CN" altLang="en-US" sz="2000" b="1" dirty="0">
-              <a:latin typeface="Times New Roman" panose="02020603050405020304" pitchFamily="18" charset="0"/>
-              <a:cs typeface="Times New Roman" panose="02020603050405020304" pitchFamily="18" charset="0"/>
-            </a:endParaRPr>
           </a:p>
         </p:txBody>
       </p:sp>
@@ -10642,7 +10627,7 @@
         <p:spPr>
           <a:xfrm>
             <a:off x="6581631" y="2230755"/>
-            <a:ext cx="1802096" cy="400110"/>
+            <a:ext cx="1229824" cy="400110"/>
           </a:xfrm>
           <a:prstGeom prst="rect">
             <a:avLst/>
@@ -10656,30 +10641,13 @@
           <a:lstStyle/>
           <a:p>
             <a:r>
-              <a:rPr kumimoji="1" lang="en-US" altLang="zh-CN" sz="2000" b="1" dirty="0">
-                <a:latin typeface="Times New Roman" panose="02020603050405020304" pitchFamily="18" charset="0"/>
+              <a:rPr kumimoji="1" lang="zh-CN" altLang="en-US" sz="2000" b="1" dirty="0">
+                <a:latin typeface="SimSun" panose="02010600030101010101" pitchFamily="2" charset="-122"/>
+                <a:ea typeface="SimSun" panose="02010600030101010101" pitchFamily="2" charset="-122"/>
                 <a:cs typeface="Times New Roman" panose="02020603050405020304" pitchFamily="18" charset="0"/>
               </a:rPr>
-              <a:t>Adjacent</a:t>
+              <a:t>相邻帧边</a:t>
             </a:r>
-            <a:r>
-              <a:rPr kumimoji="1" lang="zh-CN" altLang="en-US" sz="2000" b="1" dirty="0">
-                <a:latin typeface="Times New Roman" panose="02020603050405020304" pitchFamily="18" charset="0"/>
-                <a:cs typeface="Times New Roman" panose="02020603050405020304" pitchFamily="18" charset="0"/>
-              </a:rPr>
-              <a:t> </a:t>
-            </a:r>
-            <a:r>
-              <a:rPr kumimoji="1" lang="en-US" altLang="zh-CN" sz="2000" b="1" dirty="0">
-                <a:latin typeface="Times New Roman" panose="02020603050405020304" pitchFamily="18" charset="0"/>
-                <a:cs typeface="Times New Roman" panose="02020603050405020304" pitchFamily="18" charset="0"/>
-              </a:rPr>
-              <a:t>Edge</a:t>
-            </a:r>
-            <a:endParaRPr kumimoji="1" lang="zh-CN" altLang="en-US" sz="2000" b="1" dirty="0">
-              <a:latin typeface="Times New Roman" panose="02020603050405020304" pitchFamily="18" charset="0"/>
-              <a:cs typeface="Times New Roman" panose="02020603050405020304" pitchFamily="18" charset="0"/>
-            </a:endParaRPr>
           </a:p>
         </p:txBody>
       </p:sp>
@@ -10698,7 +10666,7 @@
         <p:spPr>
           <a:xfrm>
             <a:off x="6586412" y="3995837"/>
-            <a:ext cx="3004862" cy="400110"/>
+            <a:ext cx="1752403" cy="400110"/>
           </a:xfrm>
           <a:prstGeom prst="rect">
             <a:avLst/>
@@ -10712,16 +10680,13 @@
           <a:lstStyle/>
           <a:p>
             <a:r>
-              <a:rPr kumimoji="1" lang="en-US" altLang="zh-CN" sz="2000" b="1" dirty="0">
-                <a:latin typeface="Times New Roman" panose="02020603050405020304" pitchFamily="18" charset="0"/>
+              <a:rPr kumimoji="1" lang="zh-CN" altLang="en-US" sz="2000" b="1" dirty="0">
+                <a:latin typeface="SimSun" panose="02010600030101010101" pitchFamily="2" charset="-122"/>
+                <a:ea typeface="SimSun" panose="02010600030101010101" pitchFamily="2" charset="-122"/>
                 <a:cs typeface="Times New Roman" panose="02020603050405020304" pitchFamily="18" charset="0"/>
               </a:rPr>
-              <a:t>Map Points A Priori Edge</a:t>
+              <a:t>地图点先验边</a:t>
             </a:r>
-            <a:endParaRPr kumimoji="1" lang="zh-CN" altLang="en-US" sz="2000" b="1" dirty="0">
-              <a:latin typeface="Times New Roman" panose="02020603050405020304" pitchFamily="18" charset="0"/>
-              <a:cs typeface="Times New Roman" panose="02020603050405020304" pitchFamily="18" charset="0"/>
-            </a:endParaRPr>
           </a:p>
         </p:txBody>
       </p:sp>
@@ -10740,7 +10705,7 @@
         <p:spPr>
           <a:xfrm>
             <a:off x="6581631" y="3409912"/>
-            <a:ext cx="2733441" cy="400110"/>
+            <a:ext cx="1491114" cy="400110"/>
           </a:xfrm>
           <a:prstGeom prst="rect">
             <a:avLst/>
@@ -10754,16 +10719,13 @@
           <a:lstStyle/>
           <a:p>
             <a:r>
-              <a:rPr kumimoji="1" lang="en-US" altLang="zh-CN" sz="2000" b="1" dirty="0">
-                <a:latin typeface="Times New Roman" panose="02020603050405020304" pitchFamily="18" charset="0"/>
+              <a:rPr kumimoji="1" lang="zh-CN" altLang="en-US" sz="2000" b="1" dirty="0">
+                <a:latin typeface="SimSun" panose="02010600030101010101" pitchFamily="2" charset="-122"/>
+                <a:ea typeface="SimSun" panose="02010600030101010101" pitchFamily="2" charset="-122"/>
                 <a:cs typeface="Times New Roman" panose="02020603050405020304" pitchFamily="18" charset="0"/>
               </a:rPr>
-              <a:t>Map Observation Edge</a:t>
+              <a:t>地图观测边</a:t>
             </a:r>
-            <a:endParaRPr kumimoji="1" lang="zh-CN" altLang="en-US" sz="2000" b="1" dirty="0">
-              <a:latin typeface="Times New Roman" panose="02020603050405020304" pitchFamily="18" charset="0"/>
-              <a:cs typeface="Times New Roman" panose="02020603050405020304" pitchFamily="18" charset="0"/>
-            </a:endParaRPr>
           </a:p>
         </p:txBody>
       </p:sp>
@@ -10902,7 +10864,7 @@
         <p:spPr>
           <a:xfrm>
             <a:off x="6581631" y="2823988"/>
-            <a:ext cx="2476960" cy="400110"/>
+            <a:ext cx="1752403" cy="400110"/>
           </a:xfrm>
           <a:prstGeom prst="rect">
             <a:avLst/>
@@ -10916,28 +10878,16 @@
           <a:lstStyle/>
           <a:p>
             <a:r>
-              <a:rPr kumimoji="1" lang="en-US" altLang="zh-CN" sz="2000" b="1" dirty="0">
-                <a:latin typeface="Times New Roman" panose="02020603050405020304" pitchFamily="18" charset="0"/>
+              <a:rPr kumimoji="1" lang="zh-CN" altLang="en-US" sz="2000" b="1" dirty="0">
+                <a:latin typeface="SimSun" panose="02010600030101010101" pitchFamily="2" charset="-122"/>
+                <a:ea typeface="SimSun" panose="02010600030101010101" pitchFamily="2" charset="-122"/>
                 <a:cs typeface="Times New Roman" panose="02020603050405020304" pitchFamily="18" charset="0"/>
               </a:rPr>
-              <a:t>Map Keyframe</a:t>
-            </a:r>
-            <a:r>
-              <a:rPr kumimoji="1" lang="zh-CN" altLang="en-US" sz="2000" b="1" dirty="0">
-                <a:latin typeface="Times New Roman" panose="02020603050405020304" pitchFamily="18" charset="0"/>
-                <a:cs typeface="Times New Roman" panose="02020603050405020304" pitchFamily="18" charset="0"/>
-              </a:rPr>
-              <a:t> </a:t>
-            </a:r>
-            <a:r>
-              <a:rPr kumimoji="1" lang="en-US" altLang="zh-CN" sz="2000" b="1" dirty="0">
-                <a:latin typeface="Times New Roman" panose="02020603050405020304" pitchFamily="18" charset="0"/>
-                <a:cs typeface="Times New Roman" panose="02020603050405020304" pitchFamily="18" charset="0"/>
-              </a:rPr>
-              <a:t>Edge</a:t>
+              <a:t>地图关键帧边</a:t>
             </a:r>
             <a:endParaRPr kumimoji="1" lang="zh-CN" altLang="en-US" sz="2000" dirty="0">
-              <a:latin typeface="Times New Roman" panose="02020603050405020304" pitchFamily="18" charset="0"/>
+              <a:latin typeface="SimSun" panose="02010600030101010101" pitchFamily="2" charset="-122"/>
+              <a:ea typeface="SimSun" panose="02010600030101010101" pitchFamily="2" charset="-122"/>
               <a:cs typeface="Times New Roman" panose="02020603050405020304" pitchFamily="18" charset="0"/>
             </a:endParaRPr>
           </a:p>

--- a/figures/框图集.pptx
+++ b/figures/框图集.pptx
@@ -5,14 +5,15 @@
     <p:sldMasterId id="2147483660" r:id="rId1"/>
   </p:sldMasterIdLst>
   <p:notesMasterIdLst>
-    <p:notesMasterId r:id="rId7"/>
+    <p:notesMasterId r:id="rId8"/>
   </p:notesMasterIdLst>
   <p:sldIdLst>
     <p:sldId id="265" r:id="rId2"/>
-    <p:sldId id="266" r:id="rId3"/>
-    <p:sldId id="267" r:id="rId4"/>
-    <p:sldId id="262" r:id="rId5"/>
-    <p:sldId id="264" r:id="rId6"/>
+    <p:sldId id="268" r:id="rId3"/>
+    <p:sldId id="266" r:id="rId4"/>
+    <p:sldId id="267" r:id="rId5"/>
+    <p:sldId id="262" r:id="rId6"/>
+    <p:sldId id="264" r:id="rId7"/>
   </p:sldIdLst>
   <p:sldSz cx="14400213" cy="6858000"/>
   <p:notesSz cx="6858000" cy="9144000"/>
@@ -201,7 +202,7 @@
           <a:p>
             <a:fld id="{44091B55-B58B-734D-8EA7-5A9B4C46F7DF}" type="datetimeFigureOut">
               <a:rPr kumimoji="1" lang="zh-CN" altLang="en-US" smtClean="0"/>
-              <a:t>2025/2/22</a:t>
+              <a:t>2025/2/24</a:t>
             </a:fld>
             <a:endParaRPr kumimoji="1" lang="zh-CN" altLang="en-US"/>
           </a:p>
@@ -584,6 +585,114 @@
         <p:cNvPr id="1" name="">
           <a:extLst>
             <a:ext uri="{FF2B5EF4-FFF2-40B4-BE49-F238E27FC236}">
+              <a16:creationId xmlns:a16="http://schemas.microsoft.com/office/drawing/2014/main" id="{68108C6D-8408-5A4F-CAF6-F777F692270F}"/>
+            </a:ext>
+          </a:extLst>
+        </p:cNvPr>
+        <p:cNvGrpSpPr/>
+        <p:nvPr/>
+      </p:nvGrpSpPr>
+      <p:grpSpPr>
+        <a:xfrm>
+          <a:off x="0" y="0"/>
+          <a:ext cx="0" cy="0"/>
+          <a:chOff x="0" y="0"/>
+          <a:chExt cx="0" cy="0"/>
+        </a:xfrm>
+      </p:grpSpPr>
+      <p:sp>
+        <p:nvSpPr>
+          <p:cNvPr id="2" name="幻灯片图像占位符 1">
+            <a:extLst>
+              <a:ext uri="{FF2B5EF4-FFF2-40B4-BE49-F238E27FC236}">
+                <a16:creationId xmlns:a16="http://schemas.microsoft.com/office/drawing/2014/main" id="{53ABABE6-4421-5FD3-C6FC-CA6AE37D0CBF}"/>
+              </a:ext>
+            </a:extLst>
+          </p:cNvPr>
+          <p:cNvSpPr>
+            <a:spLocks noGrp="1" noRot="1" noChangeAspect="1"/>
+          </p:cNvSpPr>
+          <p:nvPr>
+            <p:ph type="sldImg"/>
+          </p:nvPr>
+        </p:nvSpPr>
+        <p:spPr/>
+      </p:sp>
+      <p:sp>
+        <p:nvSpPr>
+          <p:cNvPr id="3" name="备注占位符 2">
+            <a:extLst>
+              <a:ext uri="{FF2B5EF4-FFF2-40B4-BE49-F238E27FC236}">
+                <a16:creationId xmlns:a16="http://schemas.microsoft.com/office/drawing/2014/main" id="{E8596B95-3D0B-A33E-B93F-3DA19D60C39C}"/>
+              </a:ext>
+            </a:extLst>
+          </p:cNvPr>
+          <p:cNvSpPr>
+            <a:spLocks noGrp="1"/>
+          </p:cNvSpPr>
+          <p:nvPr>
+            <p:ph type="body" idx="1"/>
+          </p:nvPr>
+        </p:nvSpPr>
+        <p:spPr/>
+        <p:txBody>
+          <a:bodyPr/>
+          <a:lstStyle/>
+          <a:p>
+            <a:endParaRPr kumimoji="1" lang="zh-CN" altLang="en-US" dirty="0"/>
+          </a:p>
+        </p:txBody>
+      </p:sp>
+      <p:sp>
+        <p:nvSpPr>
+          <p:cNvPr id="4" name="灯片编号占位符 3">
+            <a:extLst>
+              <a:ext uri="{FF2B5EF4-FFF2-40B4-BE49-F238E27FC236}">
+                <a16:creationId xmlns:a16="http://schemas.microsoft.com/office/drawing/2014/main" id="{7CB63443-C1A7-58C4-A8A0-4BD07D78EC13}"/>
+              </a:ext>
+            </a:extLst>
+          </p:cNvPr>
+          <p:cNvSpPr>
+            <a:spLocks noGrp="1"/>
+          </p:cNvSpPr>
+          <p:nvPr>
+            <p:ph type="sldNum" sz="quarter" idx="5"/>
+          </p:nvPr>
+        </p:nvSpPr>
+        <p:spPr/>
+        <p:txBody>
+          <a:bodyPr/>
+          <a:lstStyle/>
+          <a:p>
+            <a:fld id="{5D586C02-4808-B34D-8A26-7CEFB8B6EFA8}" type="slidenum">
+              <a:rPr kumimoji="1" lang="zh-CN" altLang="en-US" smtClean="0"/>
+              <a:t>2</a:t>
+            </a:fld>
+            <a:endParaRPr kumimoji="1" lang="zh-CN" altLang="en-US"/>
+          </a:p>
+        </p:txBody>
+      </p:sp>
+    </p:spTree>
+    <p:extLst>
+      <p:ext uri="{BB962C8B-B14F-4D97-AF65-F5344CB8AC3E}">
+        <p14:creationId xmlns:p14="http://schemas.microsoft.com/office/powerpoint/2010/main" val="2210832920"/>
+      </p:ext>
+    </p:extLst>
+  </p:cSld>
+  <p:clrMapOvr>
+    <a:masterClrMapping/>
+  </p:clrMapOvr>
+</p:notes>
+</file>
+
+<file path=ppt/notesSlides/notesSlide3.xml><?xml version="1.0" encoding="utf-8"?>
+<p:notes xmlns:a="http://schemas.openxmlformats.org/drawingml/2006/main" xmlns:r="http://schemas.openxmlformats.org/officeDocument/2006/relationships" xmlns:p="http://schemas.openxmlformats.org/presentationml/2006/main">
+  <p:cSld>
+    <p:spTree>
+      <p:nvGrpSpPr>
+        <p:cNvPr id="1" name="">
+          <a:extLst>
+            <a:ext uri="{FF2B5EF4-FFF2-40B4-BE49-F238E27FC236}">
               <a16:creationId xmlns:a16="http://schemas.microsoft.com/office/drawing/2014/main" id="{69DEDF8B-4105-4A91-7EB1-2EBE2FF26F99}"/>
             </a:ext>
           </a:extLst>
@@ -665,7 +774,7 @@
           <a:p>
             <a:fld id="{5D586C02-4808-B34D-8A26-7CEFB8B6EFA8}" type="slidenum">
               <a:rPr kumimoji="1" lang="zh-CN" altLang="en-US" smtClean="0"/>
-              <a:t>2</a:t>
+              <a:t>3</a:t>
             </a:fld>
             <a:endParaRPr kumimoji="1" lang="zh-CN" altLang="en-US"/>
           </a:p>
@@ -684,7 +793,7 @@
 </p:notes>
 </file>
 
-<file path=ppt/notesSlides/notesSlide3.xml><?xml version="1.0" encoding="utf-8"?>
+<file path=ppt/notesSlides/notesSlide4.xml><?xml version="1.0" encoding="utf-8"?>
 <p:notes xmlns:a="http://schemas.openxmlformats.org/drawingml/2006/main" xmlns:r="http://schemas.openxmlformats.org/officeDocument/2006/relationships" xmlns:p="http://schemas.openxmlformats.org/presentationml/2006/main">
   <p:cSld>
     <p:spTree>
@@ -773,7 +882,7 @@
           <a:p>
             <a:fld id="{5D586C02-4808-B34D-8A26-7CEFB8B6EFA8}" type="slidenum">
               <a:rPr kumimoji="1" lang="zh-CN" altLang="en-US" smtClean="0"/>
-              <a:t>3</a:t>
+              <a:t>4</a:t>
             </a:fld>
             <a:endParaRPr kumimoji="1" lang="zh-CN" altLang="en-US"/>
           </a:p>
@@ -923,7 +1032,7 @@
           <a:p>
             <a:fld id="{7CAC3BCC-B18C-5C46-A45E-D86B557CA5D5}" type="datetimeFigureOut">
               <a:rPr kumimoji="1" lang="zh-CN" altLang="en-US" smtClean="0"/>
-              <a:t>2025/2/22</a:t>
+              <a:t>2025/2/24</a:t>
             </a:fld>
             <a:endParaRPr kumimoji="1" lang="zh-CN" altLang="en-US"/>
           </a:p>
@@ -1093,7 +1202,7 @@
           <a:p>
             <a:fld id="{7CAC3BCC-B18C-5C46-A45E-D86B557CA5D5}" type="datetimeFigureOut">
               <a:rPr kumimoji="1" lang="zh-CN" altLang="en-US" smtClean="0"/>
-              <a:t>2025/2/22</a:t>
+              <a:t>2025/2/24</a:t>
             </a:fld>
             <a:endParaRPr kumimoji="1" lang="zh-CN" altLang="en-US"/>
           </a:p>
@@ -1273,7 +1382,7 @@
           <a:p>
             <a:fld id="{7CAC3BCC-B18C-5C46-A45E-D86B557CA5D5}" type="datetimeFigureOut">
               <a:rPr kumimoji="1" lang="zh-CN" altLang="en-US" smtClean="0"/>
-              <a:t>2025/2/22</a:t>
+              <a:t>2025/2/24</a:t>
             </a:fld>
             <a:endParaRPr kumimoji="1" lang="zh-CN" altLang="en-US"/>
           </a:p>
@@ -1443,7 +1552,7 @@
           <a:p>
             <a:fld id="{7CAC3BCC-B18C-5C46-A45E-D86B557CA5D5}" type="datetimeFigureOut">
               <a:rPr kumimoji="1" lang="zh-CN" altLang="en-US" smtClean="0"/>
-              <a:t>2025/2/22</a:t>
+              <a:t>2025/2/24</a:t>
             </a:fld>
             <a:endParaRPr kumimoji="1" lang="zh-CN" altLang="en-US"/>
           </a:p>
@@ -1689,7 +1798,7 @@
           <a:p>
             <a:fld id="{7CAC3BCC-B18C-5C46-A45E-D86B557CA5D5}" type="datetimeFigureOut">
               <a:rPr kumimoji="1" lang="zh-CN" altLang="en-US" smtClean="0"/>
-              <a:t>2025/2/22</a:t>
+              <a:t>2025/2/24</a:t>
             </a:fld>
             <a:endParaRPr kumimoji="1" lang="zh-CN" altLang="en-US"/>
           </a:p>
@@ -1921,7 +2030,7 @@
           <a:p>
             <a:fld id="{7CAC3BCC-B18C-5C46-A45E-D86B557CA5D5}" type="datetimeFigureOut">
               <a:rPr kumimoji="1" lang="zh-CN" altLang="en-US" smtClean="0"/>
-              <a:t>2025/2/22</a:t>
+              <a:t>2025/2/24</a:t>
             </a:fld>
             <a:endParaRPr kumimoji="1" lang="zh-CN" altLang="en-US"/>
           </a:p>
@@ -2288,7 +2397,7 @@
           <a:p>
             <a:fld id="{7CAC3BCC-B18C-5C46-A45E-D86B557CA5D5}" type="datetimeFigureOut">
               <a:rPr kumimoji="1" lang="zh-CN" altLang="en-US" smtClean="0"/>
-              <a:t>2025/2/22</a:t>
+              <a:t>2025/2/24</a:t>
             </a:fld>
             <a:endParaRPr kumimoji="1" lang="zh-CN" altLang="en-US"/>
           </a:p>
@@ -2406,7 +2515,7 @@
           <a:p>
             <a:fld id="{7CAC3BCC-B18C-5C46-A45E-D86B557CA5D5}" type="datetimeFigureOut">
               <a:rPr kumimoji="1" lang="zh-CN" altLang="en-US" smtClean="0"/>
-              <a:t>2025/2/22</a:t>
+              <a:t>2025/2/24</a:t>
             </a:fld>
             <a:endParaRPr kumimoji="1" lang="zh-CN" altLang="en-US"/>
           </a:p>
@@ -2501,7 +2610,7 @@
           <a:p>
             <a:fld id="{7CAC3BCC-B18C-5C46-A45E-D86B557CA5D5}" type="datetimeFigureOut">
               <a:rPr kumimoji="1" lang="zh-CN" altLang="en-US" smtClean="0"/>
-              <a:t>2025/2/22</a:t>
+              <a:t>2025/2/24</a:t>
             </a:fld>
             <a:endParaRPr kumimoji="1" lang="zh-CN" altLang="en-US"/>
           </a:p>
@@ -2778,7 +2887,7 @@
           <a:p>
             <a:fld id="{7CAC3BCC-B18C-5C46-A45E-D86B557CA5D5}" type="datetimeFigureOut">
               <a:rPr kumimoji="1" lang="zh-CN" altLang="en-US" smtClean="0"/>
-              <a:t>2025/2/22</a:t>
+              <a:t>2025/2/24</a:t>
             </a:fld>
             <a:endParaRPr kumimoji="1" lang="zh-CN" altLang="en-US"/>
           </a:p>
@@ -3035,7 +3144,7 @@
           <a:p>
             <a:fld id="{7CAC3BCC-B18C-5C46-A45E-D86B557CA5D5}" type="datetimeFigureOut">
               <a:rPr kumimoji="1" lang="zh-CN" altLang="en-US" smtClean="0"/>
-              <a:t>2025/2/22</a:t>
+              <a:t>2025/2/24</a:t>
             </a:fld>
             <a:endParaRPr kumimoji="1" lang="zh-CN" altLang="en-US"/>
           </a:p>
@@ -3248,7 +3357,7 @@
           <a:p>
             <a:fld id="{7CAC3BCC-B18C-5C46-A45E-D86B557CA5D5}" type="datetimeFigureOut">
               <a:rPr kumimoji="1" lang="zh-CN" altLang="en-US" smtClean="0"/>
-              <a:t>2025/2/22</a:t>
+              <a:t>2025/2/24</a:t>
             </a:fld>
             <a:endParaRPr kumimoji="1" lang="zh-CN" altLang="en-US"/>
           </a:p>
@@ -5313,6 +5422,1489 @@
         <p:cNvPr id="1" name="">
           <a:extLst>
             <a:ext uri="{FF2B5EF4-FFF2-40B4-BE49-F238E27FC236}">
+              <a16:creationId xmlns:a16="http://schemas.microsoft.com/office/drawing/2014/main" id="{D863B9F7-25CC-2986-5A7B-D3049F016DA0}"/>
+            </a:ext>
+          </a:extLst>
+        </p:cNvPr>
+        <p:cNvGrpSpPr/>
+        <p:nvPr/>
+      </p:nvGrpSpPr>
+      <p:grpSpPr>
+        <a:xfrm>
+          <a:off x="0" y="0"/>
+          <a:ext cx="0" cy="0"/>
+          <a:chOff x="0" y="0"/>
+          <a:chExt cx="0" cy="0"/>
+        </a:xfrm>
+      </p:grpSpPr>
+      <p:sp>
+        <p:nvSpPr>
+          <p:cNvPr id="4" name="矩形 3">
+            <a:extLst>
+              <a:ext uri="{FF2B5EF4-FFF2-40B4-BE49-F238E27FC236}">
+                <a16:creationId xmlns:a16="http://schemas.microsoft.com/office/drawing/2014/main" id="{24A69AFF-3448-E39D-07F3-76F3426C5F45}"/>
+              </a:ext>
+            </a:extLst>
+          </p:cNvPr>
+          <p:cNvSpPr/>
+          <p:nvPr/>
+        </p:nvSpPr>
+        <p:spPr>
+          <a:xfrm>
+            <a:off x="1470944" y="1992809"/>
+            <a:ext cx="900829" cy="719309"/>
+          </a:xfrm>
+          <a:prstGeom prst="rect">
+            <a:avLst/>
+          </a:prstGeom>
+          <a:noFill/>
+          <a:ln w="19050">
+            <a:solidFill>
+              <a:schemeClr val="tx1"/>
+            </a:solidFill>
+          </a:ln>
+        </p:spPr>
+        <p:style>
+          <a:lnRef idx="2">
+            <a:schemeClr val="accent1">
+              <a:shade val="15000"/>
+            </a:schemeClr>
+          </a:lnRef>
+          <a:fillRef idx="1">
+            <a:schemeClr val="accent1"/>
+          </a:fillRef>
+          <a:effectRef idx="0">
+            <a:schemeClr val="accent1"/>
+          </a:effectRef>
+          <a:fontRef idx="minor">
+            <a:schemeClr val="lt1"/>
+          </a:fontRef>
+        </p:style>
+        <p:txBody>
+          <a:bodyPr rtlCol="0" anchor="ctr"/>
+          <a:lstStyle/>
+          <a:p>
+            <a:pPr algn="ctr"/>
+            <a:r>
+              <a:rPr kumimoji="1" lang="zh-CN" altLang="en-US" dirty="0">
+                <a:solidFill>
+                  <a:schemeClr val="tx1"/>
+                </a:solidFill>
+                <a:latin typeface="SimSun" panose="02010600030101010101" pitchFamily="2" charset="-122"/>
+                <a:ea typeface="SimSun" panose="02010600030101010101" pitchFamily="2" charset="-122"/>
+                <a:cs typeface="Times New Roman" panose="02020603050405020304" pitchFamily="18" charset="0"/>
+              </a:rPr>
+              <a:t>图片</a:t>
+            </a:r>
+          </a:p>
+        </p:txBody>
+      </p:sp>
+      <p:sp>
+        <p:nvSpPr>
+          <p:cNvPr id="11" name="矩形 10">
+            <a:extLst>
+              <a:ext uri="{FF2B5EF4-FFF2-40B4-BE49-F238E27FC236}">
+                <a16:creationId xmlns:a16="http://schemas.microsoft.com/office/drawing/2014/main" id="{E06B4406-28E6-6FCF-4EB9-9B093AB4FC97}"/>
+              </a:ext>
+            </a:extLst>
+          </p:cNvPr>
+          <p:cNvSpPr/>
+          <p:nvPr/>
+        </p:nvSpPr>
+        <p:spPr>
+          <a:xfrm>
+            <a:off x="2670562" y="3428867"/>
+            <a:ext cx="900828" cy="719310"/>
+          </a:xfrm>
+          <a:prstGeom prst="rect">
+            <a:avLst/>
+          </a:prstGeom>
+          <a:noFill/>
+          <a:ln>
+            <a:solidFill>
+              <a:schemeClr val="tx1"/>
+            </a:solidFill>
+          </a:ln>
+        </p:spPr>
+        <p:style>
+          <a:lnRef idx="2">
+            <a:schemeClr val="accent1">
+              <a:shade val="15000"/>
+            </a:schemeClr>
+          </a:lnRef>
+          <a:fillRef idx="1">
+            <a:schemeClr val="accent1"/>
+          </a:fillRef>
+          <a:effectRef idx="0">
+            <a:schemeClr val="accent1"/>
+          </a:effectRef>
+          <a:fontRef idx="minor">
+            <a:schemeClr val="lt1"/>
+          </a:fontRef>
+        </p:style>
+        <p:txBody>
+          <a:bodyPr rtlCol="0" anchor="ctr"/>
+          <a:lstStyle/>
+          <a:p>
+            <a:pPr algn="ctr"/>
+            <a:r>
+              <a:rPr kumimoji="1" lang="zh-CN" altLang="en-US" dirty="0">
+                <a:solidFill>
+                  <a:schemeClr val="tx1"/>
+                </a:solidFill>
+                <a:latin typeface="SimSun" panose="02010600030101010101" pitchFamily="2" charset="-122"/>
+                <a:ea typeface="SimSun" panose="02010600030101010101" pitchFamily="2" charset="-122"/>
+                <a:cs typeface="Times New Roman" panose="02020603050405020304" pitchFamily="18" charset="0"/>
+              </a:rPr>
+              <a:t>惯性</a:t>
+            </a:r>
+            <a:endParaRPr kumimoji="1" lang="en-US" altLang="zh-CN" dirty="0">
+              <a:solidFill>
+                <a:schemeClr val="tx1"/>
+              </a:solidFill>
+              <a:latin typeface="SimSun" panose="02010600030101010101" pitchFamily="2" charset="-122"/>
+              <a:ea typeface="SimSun" panose="02010600030101010101" pitchFamily="2" charset="-122"/>
+              <a:cs typeface="Times New Roman" panose="02020603050405020304" pitchFamily="18" charset="0"/>
+            </a:endParaRPr>
+          </a:p>
+          <a:p>
+            <a:pPr algn="ctr"/>
+            <a:r>
+              <a:rPr kumimoji="1" lang="zh-CN" altLang="en-US" dirty="0">
+                <a:solidFill>
+                  <a:schemeClr val="tx1"/>
+                </a:solidFill>
+                <a:latin typeface="SimSun" panose="02010600030101010101" pitchFamily="2" charset="-122"/>
+                <a:ea typeface="SimSun" panose="02010600030101010101" pitchFamily="2" charset="-122"/>
+                <a:cs typeface="Times New Roman" panose="02020603050405020304" pitchFamily="18" charset="0"/>
+              </a:rPr>
+              <a:t>信息</a:t>
+            </a:r>
+          </a:p>
+        </p:txBody>
+      </p:sp>
+      <p:sp>
+        <p:nvSpPr>
+          <p:cNvPr id="12" name="圆角矩形 11">
+            <a:extLst>
+              <a:ext uri="{FF2B5EF4-FFF2-40B4-BE49-F238E27FC236}">
+                <a16:creationId xmlns:a16="http://schemas.microsoft.com/office/drawing/2014/main" id="{4CEDC7B8-F5EC-7824-34D5-6431A3346D1A}"/>
+              </a:ext>
+            </a:extLst>
+          </p:cNvPr>
+          <p:cNvSpPr/>
+          <p:nvPr/>
+        </p:nvSpPr>
+        <p:spPr>
+          <a:xfrm>
+            <a:off x="3873230" y="850643"/>
+            <a:ext cx="2361316" cy="1859047"/>
+          </a:xfrm>
+          <a:prstGeom prst="roundRect">
+            <a:avLst/>
+          </a:prstGeom>
+          <a:noFill/>
+          <a:ln w="38100">
+            <a:solidFill>
+              <a:srgbClr val="79438E"/>
+            </a:solidFill>
+            <a:prstDash val="solid"/>
+          </a:ln>
+        </p:spPr>
+        <p:style>
+          <a:lnRef idx="2">
+            <a:schemeClr val="accent1">
+              <a:shade val="15000"/>
+            </a:schemeClr>
+          </a:lnRef>
+          <a:fillRef idx="1">
+            <a:schemeClr val="accent1"/>
+          </a:fillRef>
+          <a:effectRef idx="0">
+            <a:schemeClr val="accent1"/>
+          </a:effectRef>
+          <a:fontRef idx="minor">
+            <a:schemeClr val="lt1"/>
+          </a:fontRef>
+        </p:style>
+        <p:txBody>
+          <a:bodyPr rtlCol="0" anchor="ctr"/>
+          <a:lstStyle/>
+          <a:p>
+            <a:pPr algn="ctr"/>
+            <a:endParaRPr kumimoji="1" lang="zh-CN" altLang="en-US"/>
+          </a:p>
+        </p:txBody>
+      </p:sp>
+      <p:cxnSp>
+        <p:nvCxnSpPr>
+          <p:cNvPr id="60" name="肘形连接符 59">
+            <a:extLst>
+              <a:ext uri="{FF2B5EF4-FFF2-40B4-BE49-F238E27FC236}">
+                <a16:creationId xmlns:a16="http://schemas.microsoft.com/office/drawing/2014/main" id="{674E0DA6-5CAA-3E2C-53F4-B316FDF61CB5}"/>
+              </a:ext>
+            </a:extLst>
+          </p:cNvPr>
+          <p:cNvCxnSpPr>
+            <a:cxnSpLocks/>
+            <a:stCxn id="8" idx="2"/>
+            <a:endCxn id="90" idx="1"/>
+          </p:cNvCxnSpPr>
+          <p:nvPr/>
+        </p:nvCxnSpPr>
+        <p:spPr>
+          <a:xfrm rot="16200000" flipH="1">
+            <a:off x="2788231" y="3278253"/>
+            <a:ext cx="215076" cy="1954922"/>
+          </a:xfrm>
+          <a:prstGeom prst="bentConnector2">
+            <a:avLst/>
+          </a:prstGeom>
+          <a:ln w="28575">
+            <a:solidFill>
+              <a:srgbClr val="84BA42"/>
+            </a:solidFill>
+            <a:prstDash val="dash"/>
+            <a:headEnd type="none" w="med" len="med"/>
+            <a:tailEnd type="arrow" w="med" len="med"/>
+          </a:ln>
+        </p:spPr>
+        <p:style>
+          <a:lnRef idx="2">
+            <a:schemeClr val="accent1"/>
+          </a:lnRef>
+          <a:fillRef idx="0">
+            <a:schemeClr val="accent1"/>
+          </a:fillRef>
+          <a:effectRef idx="1">
+            <a:schemeClr val="accent1"/>
+          </a:effectRef>
+          <a:fontRef idx="minor">
+            <a:schemeClr val="tx1"/>
+          </a:fontRef>
+        </p:style>
+      </p:cxnSp>
+      <p:sp>
+        <p:nvSpPr>
+          <p:cNvPr id="264" name="梯形 263">
+            <a:extLst>
+              <a:ext uri="{FF2B5EF4-FFF2-40B4-BE49-F238E27FC236}">
+                <a16:creationId xmlns:a16="http://schemas.microsoft.com/office/drawing/2014/main" id="{60BA436F-CEA6-F660-5272-A200D5843B8E}"/>
+              </a:ext>
+            </a:extLst>
+          </p:cNvPr>
+          <p:cNvSpPr/>
+          <p:nvPr/>
+        </p:nvSpPr>
+        <p:spPr>
+          <a:xfrm rot="10800000">
+            <a:off x="7053437" y="850642"/>
+            <a:ext cx="1904280" cy="1859047"/>
+          </a:xfrm>
+          <a:prstGeom prst="trapezoid">
+            <a:avLst>
+              <a:gd name="adj" fmla="val 18121"/>
+            </a:avLst>
+          </a:prstGeom>
+          <a:noFill/>
+          <a:ln w="38100">
+            <a:solidFill>
+              <a:srgbClr val="79438E"/>
+            </a:solidFill>
+            <a:prstDash val="solid"/>
+          </a:ln>
+        </p:spPr>
+        <p:style>
+          <a:lnRef idx="2">
+            <a:schemeClr val="accent1">
+              <a:shade val="15000"/>
+            </a:schemeClr>
+          </a:lnRef>
+          <a:fillRef idx="1">
+            <a:schemeClr val="accent1"/>
+          </a:fillRef>
+          <a:effectRef idx="0">
+            <a:schemeClr val="accent1"/>
+          </a:effectRef>
+          <a:fontRef idx="minor">
+            <a:schemeClr val="lt1"/>
+          </a:fontRef>
+        </p:style>
+        <p:txBody>
+          <a:bodyPr rtlCol="0" anchor="ctr"/>
+          <a:lstStyle/>
+          <a:p>
+            <a:pPr algn="ctr"/>
+            <a:endParaRPr kumimoji="1" lang="zh-CN" altLang="en-US"/>
+          </a:p>
+        </p:txBody>
+      </p:sp>
+      <p:cxnSp>
+        <p:nvCxnSpPr>
+          <p:cNvPr id="267" name="直线连接符 266">
+            <a:extLst>
+              <a:ext uri="{FF2B5EF4-FFF2-40B4-BE49-F238E27FC236}">
+                <a16:creationId xmlns:a16="http://schemas.microsoft.com/office/drawing/2014/main" id="{E25AEB39-ACBE-B8CD-456F-EEDB686ED1DB}"/>
+              </a:ext>
+            </a:extLst>
+          </p:cNvPr>
+          <p:cNvCxnSpPr>
+            <a:cxnSpLocks/>
+            <a:stCxn id="264" idx="3"/>
+            <a:endCxn id="264" idx="1"/>
+          </p:cNvCxnSpPr>
+          <p:nvPr/>
+        </p:nvCxnSpPr>
+        <p:spPr>
+          <a:xfrm>
+            <a:off x="7221876" y="1780165"/>
+            <a:ext cx="1567402" cy="0"/>
+          </a:xfrm>
+          <a:prstGeom prst="line">
+            <a:avLst/>
+          </a:prstGeom>
+          <a:ln w="38100">
+            <a:solidFill>
+              <a:srgbClr val="79438E"/>
+            </a:solidFill>
+            <a:prstDash val="solid"/>
+          </a:ln>
+        </p:spPr>
+        <p:style>
+          <a:lnRef idx="2">
+            <a:schemeClr val="accent1"/>
+          </a:lnRef>
+          <a:fillRef idx="0">
+            <a:schemeClr val="accent1"/>
+          </a:fillRef>
+          <a:effectRef idx="1">
+            <a:schemeClr val="accent1"/>
+          </a:effectRef>
+          <a:fontRef idx="minor">
+            <a:schemeClr val="tx1"/>
+          </a:fontRef>
+        </p:style>
+      </p:cxnSp>
+      <p:cxnSp>
+        <p:nvCxnSpPr>
+          <p:cNvPr id="13" name="肘形连接符 12">
+            <a:extLst>
+              <a:ext uri="{FF2B5EF4-FFF2-40B4-BE49-F238E27FC236}">
+                <a16:creationId xmlns:a16="http://schemas.microsoft.com/office/drawing/2014/main" id="{10EBEBB1-8972-C886-FAB9-588BF6DC380D}"/>
+              </a:ext>
+            </a:extLst>
+          </p:cNvPr>
+          <p:cNvCxnSpPr>
+            <a:cxnSpLocks/>
+            <a:stCxn id="11" idx="2"/>
+            <a:endCxn id="90" idx="1"/>
+          </p:cNvCxnSpPr>
+          <p:nvPr/>
+        </p:nvCxnSpPr>
+        <p:spPr>
+          <a:xfrm rot="16200000" flipH="1">
+            <a:off x="3389566" y="3879587"/>
+            <a:ext cx="215075" cy="752254"/>
+          </a:xfrm>
+          <a:prstGeom prst="bentConnector2">
+            <a:avLst/>
+          </a:prstGeom>
+          <a:ln w="28575">
+            <a:solidFill>
+              <a:srgbClr val="84BA42"/>
+            </a:solidFill>
+            <a:prstDash val="dash"/>
+            <a:headEnd type="none" w="med" len="med"/>
+            <a:tailEnd type="arrow" w="med" len="med"/>
+          </a:ln>
+        </p:spPr>
+        <p:style>
+          <a:lnRef idx="2">
+            <a:schemeClr val="accent1"/>
+          </a:lnRef>
+          <a:fillRef idx="0">
+            <a:schemeClr val="accent1"/>
+          </a:fillRef>
+          <a:effectRef idx="1">
+            <a:schemeClr val="accent1"/>
+          </a:effectRef>
+          <a:fontRef idx="minor">
+            <a:schemeClr val="tx1"/>
+          </a:fontRef>
+        </p:style>
+      </p:cxnSp>
+      <p:sp>
+        <p:nvSpPr>
+          <p:cNvPr id="8" name="矩形 7">
+            <a:extLst>
+              <a:ext uri="{FF2B5EF4-FFF2-40B4-BE49-F238E27FC236}">
+                <a16:creationId xmlns:a16="http://schemas.microsoft.com/office/drawing/2014/main" id="{3C0E3477-D244-8F93-0865-89438B04813E}"/>
+              </a:ext>
+            </a:extLst>
+          </p:cNvPr>
+          <p:cNvSpPr/>
+          <p:nvPr/>
+        </p:nvSpPr>
+        <p:spPr>
+          <a:xfrm>
+            <a:off x="1467893" y="3428867"/>
+            <a:ext cx="900829" cy="719309"/>
+          </a:xfrm>
+          <a:prstGeom prst="rect">
+            <a:avLst/>
+          </a:prstGeom>
+          <a:noFill/>
+          <a:ln w="19050">
+            <a:solidFill>
+              <a:schemeClr val="tx1"/>
+            </a:solidFill>
+          </a:ln>
+        </p:spPr>
+        <p:style>
+          <a:lnRef idx="2">
+            <a:schemeClr val="accent1">
+              <a:shade val="15000"/>
+            </a:schemeClr>
+          </a:lnRef>
+          <a:fillRef idx="1">
+            <a:schemeClr val="accent1"/>
+          </a:fillRef>
+          <a:effectRef idx="0">
+            <a:schemeClr val="accent1"/>
+          </a:effectRef>
+          <a:fontRef idx="minor">
+            <a:schemeClr val="lt1"/>
+          </a:fontRef>
+        </p:style>
+        <p:txBody>
+          <a:bodyPr rtlCol="0" anchor="ctr"/>
+          <a:lstStyle/>
+          <a:p>
+            <a:pPr algn="ctr"/>
+            <a:r>
+              <a:rPr kumimoji="1" lang="zh-CN" altLang="en-US" dirty="0">
+                <a:solidFill>
+                  <a:schemeClr val="tx1"/>
+                </a:solidFill>
+                <a:latin typeface="SimSun" panose="02010600030101010101" pitchFamily="2" charset="-122"/>
+                <a:ea typeface="SimSun" panose="02010600030101010101" pitchFamily="2" charset="-122"/>
+                <a:cs typeface="Times New Roman" panose="02020603050405020304" pitchFamily="18" charset="0"/>
+              </a:rPr>
+              <a:t>图片</a:t>
+            </a:r>
+          </a:p>
+        </p:txBody>
+      </p:sp>
+      <p:cxnSp>
+        <p:nvCxnSpPr>
+          <p:cNvPr id="64" name="肘形连接符 63">
+            <a:extLst>
+              <a:ext uri="{FF2B5EF4-FFF2-40B4-BE49-F238E27FC236}">
+                <a16:creationId xmlns:a16="http://schemas.microsoft.com/office/drawing/2014/main" id="{4DF48173-1BD3-7053-E7BC-4185BCCBCD14}"/>
+              </a:ext>
+            </a:extLst>
+          </p:cNvPr>
+          <p:cNvCxnSpPr>
+            <a:cxnSpLocks/>
+            <a:stCxn id="4" idx="0"/>
+            <a:endCxn id="12" idx="1"/>
+          </p:cNvCxnSpPr>
+          <p:nvPr/>
+        </p:nvCxnSpPr>
+        <p:spPr>
+          <a:xfrm rot="5400000" flipH="1" flipV="1">
+            <a:off x="2790973" y="910553"/>
+            <a:ext cx="212642" cy="1951871"/>
+          </a:xfrm>
+          <a:prstGeom prst="bentConnector2">
+            <a:avLst/>
+          </a:prstGeom>
+          <a:ln w="28575">
+            <a:solidFill>
+              <a:srgbClr val="79438E"/>
+            </a:solidFill>
+            <a:prstDash val="dash"/>
+            <a:headEnd type="none" w="med" len="med"/>
+            <a:tailEnd type="arrow" w="med" len="med"/>
+          </a:ln>
+        </p:spPr>
+        <p:style>
+          <a:lnRef idx="2">
+            <a:schemeClr val="accent1"/>
+          </a:lnRef>
+          <a:fillRef idx="0">
+            <a:schemeClr val="accent1"/>
+          </a:fillRef>
+          <a:effectRef idx="1">
+            <a:schemeClr val="accent1"/>
+          </a:effectRef>
+          <a:fontRef idx="minor">
+            <a:schemeClr val="tx1"/>
+          </a:fontRef>
+        </p:style>
+      </p:cxnSp>
+      <p:cxnSp>
+        <p:nvCxnSpPr>
+          <p:cNvPr id="85" name="直线箭头连接符 84">
+            <a:extLst>
+              <a:ext uri="{FF2B5EF4-FFF2-40B4-BE49-F238E27FC236}">
+                <a16:creationId xmlns:a16="http://schemas.microsoft.com/office/drawing/2014/main" id="{8FB643E5-FEFC-83E6-F616-ACA793E7B7D8}"/>
+              </a:ext>
+            </a:extLst>
+          </p:cNvPr>
+          <p:cNvCxnSpPr>
+            <a:cxnSpLocks/>
+            <a:stCxn id="12" idx="3"/>
+            <a:endCxn id="264" idx="3"/>
+          </p:cNvCxnSpPr>
+          <p:nvPr/>
+        </p:nvCxnSpPr>
+        <p:spPr>
+          <a:xfrm flipV="1">
+            <a:off x="6234546" y="1780165"/>
+            <a:ext cx="987330" cy="2"/>
+          </a:xfrm>
+          <a:prstGeom prst="straightConnector1">
+            <a:avLst/>
+          </a:prstGeom>
+          <a:ln w="28575">
+            <a:solidFill>
+              <a:srgbClr val="79438E"/>
+            </a:solidFill>
+            <a:prstDash val="dash"/>
+            <a:headEnd type="none" w="med" len="med"/>
+            <a:tailEnd type="arrow" w="med" len="med"/>
+          </a:ln>
+        </p:spPr>
+        <p:style>
+          <a:lnRef idx="2">
+            <a:schemeClr val="accent1"/>
+          </a:lnRef>
+          <a:fillRef idx="0">
+            <a:schemeClr val="accent1"/>
+          </a:fillRef>
+          <a:effectRef idx="1">
+            <a:schemeClr val="accent1"/>
+          </a:effectRef>
+          <a:fontRef idx="minor">
+            <a:schemeClr val="tx1"/>
+          </a:fontRef>
+        </p:style>
+      </p:cxnSp>
+      <p:sp>
+        <p:nvSpPr>
+          <p:cNvPr id="88" name="文本框 87">
+            <a:extLst>
+              <a:ext uri="{FF2B5EF4-FFF2-40B4-BE49-F238E27FC236}">
+                <a16:creationId xmlns:a16="http://schemas.microsoft.com/office/drawing/2014/main" id="{1B46FBD8-2724-80F1-0EDA-89D8F00133F2}"/>
+              </a:ext>
+            </a:extLst>
+          </p:cNvPr>
+          <p:cNvSpPr txBox="1"/>
+          <p:nvPr/>
+        </p:nvSpPr>
+        <p:spPr>
+          <a:xfrm>
+            <a:off x="7278393" y="961461"/>
+            <a:ext cx="1467068" cy="707886"/>
+          </a:xfrm>
+          <a:prstGeom prst="rect">
+            <a:avLst/>
+          </a:prstGeom>
+          <a:noFill/>
+          <a:ln>
+            <a:noFill/>
+            <a:prstDash val="dashDot"/>
+          </a:ln>
+        </p:spPr>
+        <p:txBody>
+          <a:bodyPr wrap="none" rtlCol="0">
+            <a:spAutoFit/>
+          </a:bodyPr>
+          <a:lstStyle/>
+          <a:p>
+            <a:pPr algn="ctr"/>
+            <a:r>
+              <a:rPr kumimoji="1" lang="zh-CN" altLang="en-US" sz="2000" dirty="0">
+                <a:latin typeface="SimSun" panose="02010600030101010101" pitchFamily="2" charset="-122"/>
+                <a:ea typeface="SimSun" panose="02010600030101010101" pitchFamily="2" charset="-122"/>
+                <a:cs typeface="Times New Roman" panose="02020603050405020304" pitchFamily="18" charset="0"/>
+              </a:rPr>
+              <a:t>地图</a:t>
+            </a:r>
+            <a:endParaRPr kumimoji="1" lang="en-US" altLang="zh-CN" sz="2000" dirty="0">
+              <a:latin typeface="SimSun" panose="02010600030101010101" pitchFamily="2" charset="-122"/>
+              <a:ea typeface="SimSun" panose="02010600030101010101" pitchFamily="2" charset="-122"/>
+              <a:cs typeface="Times New Roman" panose="02020603050405020304" pitchFamily="18" charset="0"/>
+            </a:endParaRPr>
+          </a:p>
+          <a:p>
+            <a:pPr algn="ctr"/>
+            <a:r>
+              <a:rPr kumimoji="1" lang="zh-CN" altLang="en-US" sz="2000" dirty="0">
+                <a:latin typeface="SimSun" panose="02010600030101010101" pitchFamily="2" charset="-122"/>
+                <a:ea typeface="SimSun" panose="02010600030101010101" pitchFamily="2" charset="-122"/>
+                <a:cs typeface="Times New Roman" panose="02020603050405020304" pitchFamily="18" charset="0"/>
+              </a:rPr>
+              <a:t>粗粒度信息</a:t>
+            </a:r>
+          </a:p>
+        </p:txBody>
+      </p:sp>
+      <p:sp>
+        <p:nvSpPr>
+          <p:cNvPr id="89" name="文本框 88">
+            <a:extLst>
+              <a:ext uri="{FF2B5EF4-FFF2-40B4-BE49-F238E27FC236}">
+                <a16:creationId xmlns:a16="http://schemas.microsoft.com/office/drawing/2014/main" id="{E8824F71-C024-5665-17D5-206757252A26}"/>
+              </a:ext>
+            </a:extLst>
+          </p:cNvPr>
+          <p:cNvSpPr txBox="1"/>
+          <p:nvPr/>
+        </p:nvSpPr>
+        <p:spPr>
+          <a:xfrm>
+            <a:off x="7272042" y="1890984"/>
+            <a:ext cx="1467068" cy="707886"/>
+          </a:xfrm>
+          <a:prstGeom prst="rect">
+            <a:avLst/>
+          </a:prstGeom>
+          <a:noFill/>
+          <a:ln>
+            <a:noFill/>
+            <a:prstDash val="dashDot"/>
+          </a:ln>
+        </p:spPr>
+        <p:txBody>
+          <a:bodyPr wrap="none" rtlCol="0">
+            <a:spAutoFit/>
+          </a:bodyPr>
+          <a:lstStyle/>
+          <a:p>
+            <a:pPr algn="ctr"/>
+            <a:r>
+              <a:rPr kumimoji="1" lang="zh-CN" altLang="en-US" sz="2000" dirty="0">
+                <a:latin typeface="SimSun" panose="02010600030101010101" pitchFamily="2" charset="-122"/>
+                <a:ea typeface="SimSun" panose="02010600030101010101" pitchFamily="2" charset="-122"/>
+                <a:cs typeface="Times New Roman" panose="02020603050405020304" pitchFamily="18" charset="0"/>
+              </a:rPr>
+              <a:t>地图</a:t>
+            </a:r>
+            <a:endParaRPr kumimoji="1" lang="en-US" altLang="zh-CN" sz="2000" dirty="0">
+              <a:latin typeface="SimSun" panose="02010600030101010101" pitchFamily="2" charset="-122"/>
+              <a:ea typeface="SimSun" panose="02010600030101010101" pitchFamily="2" charset="-122"/>
+              <a:cs typeface="Times New Roman" panose="02020603050405020304" pitchFamily="18" charset="0"/>
+            </a:endParaRPr>
+          </a:p>
+          <a:p>
+            <a:pPr algn="ctr"/>
+            <a:r>
+              <a:rPr kumimoji="1" lang="zh-CN" altLang="en-US" sz="2000" dirty="0">
+                <a:latin typeface="SimSun" panose="02010600030101010101" pitchFamily="2" charset="-122"/>
+                <a:ea typeface="SimSun" panose="02010600030101010101" pitchFamily="2" charset="-122"/>
+                <a:cs typeface="Times New Roman" panose="02020603050405020304" pitchFamily="18" charset="0"/>
+              </a:rPr>
+              <a:t>细粒度信息</a:t>
+            </a:r>
+          </a:p>
+        </p:txBody>
+      </p:sp>
+      <p:sp>
+        <p:nvSpPr>
+          <p:cNvPr id="90" name="圆角矩形 89">
+            <a:extLst>
+              <a:ext uri="{FF2B5EF4-FFF2-40B4-BE49-F238E27FC236}">
+                <a16:creationId xmlns:a16="http://schemas.microsoft.com/office/drawing/2014/main" id="{9FE2FCD8-2DB4-D6A4-FF70-9101C9005298}"/>
+              </a:ext>
+            </a:extLst>
+          </p:cNvPr>
+          <p:cNvSpPr/>
+          <p:nvPr/>
+        </p:nvSpPr>
+        <p:spPr>
+          <a:xfrm>
+            <a:off x="3873230" y="3428868"/>
+            <a:ext cx="2359879" cy="1868768"/>
+          </a:xfrm>
+          <a:prstGeom prst="roundRect">
+            <a:avLst/>
+          </a:prstGeom>
+          <a:noFill/>
+          <a:ln w="38100">
+            <a:solidFill>
+              <a:srgbClr val="84BA42"/>
+            </a:solidFill>
+            <a:prstDash val="solid"/>
+          </a:ln>
+        </p:spPr>
+        <p:style>
+          <a:lnRef idx="2">
+            <a:schemeClr val="accent1">
+              <a:shade val="15000"/>
+            </a:schemeClr>
+          </a:lnRef>
+          <a:fillRef idx="1">
+            <a:schemeClr val="accent1"/>
+          </a:fillRef>
+          <a:effectRef idx="0">
+            <a:schemeClr val="accent1"/>
+          </a:effectRef>
+          <a:fontRef idx="minor">
+            <a:schemeClr val="lt1"/>
+          </a:fontRef>
+        </p:style>
+        <p:txBody>
+          <a:bodyPr rtlCol="0" anchor="ctr"/>
+          <a:lstStyle/>
+          <a:p>
+            <a:pPr algn="ctr"/>
+            <a:endParaRPr kumimoji="1" lang="zh-CN" altLang="en-US"/>
+          </a:p>
+        </p:txBody>
+      </p:sp>
+      <p:sp>
+        <p:nvSpPr>
+          <p:cNvPr id="91" name="圆角矩形 90">
+            <a:extLst>
+              <a:ext uri="{FF2B5EF4-FFF2-40B4-BE49-F238E27FC236}">
+                <a16:creationId xmlns:a16="http://schemas.microsoft.com/office/drawing/2014/main" id="{3946A45D-FACB-0C7E-27C4-CC43FDB913D0}"/>
+              </a:ext>
+            </a:extLst>
+          </p:cNvPr>
+          <p:cNvSpPr/>
+          <p:nvPr/>
+        </p:nvSpPr>
+        <p:spPr>
+          <a:xfrm>
+            <a:off x="6825637" y="3428867"/>
+            <a:ext cx="2359879" cy="1868768"/>
+          </a:xfrm>
+          <a:prstGeom prst="roundRect">
+            <a:avLst/>
+          </a:prstGeom>
+          <a:noFill/>
+          <a:ln w="38100">
+            <a:solidFill>
+              <a:srgbClr val="C82423"/>
+            </a:solidFill>
+            <a:prstDash val="solid"/>
+          </a:ln>
+        </p:spPr>
+        <p:style>
+          <a:lnRef idx="2">
+            <a:schemeClr val="accent1">
+              <a:shade val="15000"/>
+            </a:schemeClr>
+          </a:lnRef>
+          <a:fillRef idx="1">
+            <a:schemeClr val="accent1"/>
+          </a:fillRef>
+          <a:effectRef idx="0">
+            <a:schemeClr val="accent1"/>
+          </a:effectRef>
+          <a:fontRef idx="minor">
+            <a:schemeClr val="lt1"/>
+          </a:fontRef>
+        </p:style>
+        <p:txBody>
+          <a:bodyPr rtlCol="0" anchor="ctr"/>
+          <a:lstStyle/>
+          <a:p>
+            <a:pPr algn="ctr"/>
+            <a:endParaRPr kumimoji="1" lang="zh-CN" altLang="en-US"/>
+          </a:p>
+        </p:txBody>
+      </p:sp>
+      <p:cxnSp>
+        <p:nvCxnSpPr>
+          <p:cNvPr id="94" name="肘形连接符 93">
+            <a:extLst>
+              <a:ext uri="{FF2B5EF4-FFF2-40B4-BE49-F238E27FC236}">
+                <a16:creationId xmlns:a16="http://schemas.microsoft.com/office/drawing/2014/main" id="{0340E624-245E-A84E-7FAB-722A715F470E}"/>
+              </a:ext>
+            </a:extLst>
+          </p:cNvPr>
+          <p:cNvCxnSpPr>
+            <a:cxnSpLocks/>
+            <a:stCxn id="8" idx="0"/>
+            <a:endCxn id="91" idx="1"/>
+          </p:cNvCxnSpPr>
+          <p:nvPr/>
+        </p:nvCxnSpPr>
+        <p:spPr>
+          <a:xfrm rot="16200000" flipH="1">
+            <a:off x="3904780" y="1442395"/>
+            <a:ext cx="934384" cy="4907329"/>
+          </a:xfrm>
+          <a:prstGeom prst="bentConnector4">
+            <a:avLst>
+              <a:gd name="adj1" fmla="val -24465"/>
+              <a:gd name="adj2" fmla="val 93876"/>
+            </a:avLst>
+          </a:prstGeom>
+          <a:ln w="28575">
+            <a:solidFill>
+              <a:srgbClr val="C82423"/>
+            </a:solidFill>
+            <a:prstDash val="dash"/>
+            <a:headEnd type="none" w="med" len="med"/>
+            <a:tailEnd type="arrow" w="med" len="med"/>
+          </a:ln>
+        </p:spPr>
+        <p:style>
+          <a:lnRef idx="2">
+            <a:schemeClr val="accent1"/>
+          </a:lnRef>
+          <a:fillRef idx="0">
+            <a:schemeClr val="accent1"/>
+          </a:fillRef>
+          <a:effectRef idx="1">
+            <a:schemeClr val="accent1"/>
+          </a:effectRef>
+          <a:fontRef idx="minor">
+            <a:schemeClr val="tx1"/>
+          </a:fontRef>
+        </p:style>
+      </p:cxnSp>
+      <p:cxnSp>
+        <p:nvCxnSpPr>
+          <p:cNvPr id="105" name="直线箭头连接符 104">
+            <a:extLst>
+              <a:ext uri="{FF2B5EF4-FFF2-40B4-BE49-F238E27FC236}">
+                <a16:creationId xmlns:a16="http://schemas.microsoft.com/office/drawing/2014/main" id="{EC462315-B93F-2FB4-2073-146A1F7F9075}"/>
+              </a:ext>
+            </a:extLst>
+          </p:cNvPr>
+          <p:cNvCxnSpPr>
+            <a:cxnSpLocks/>
+            <a:stCxn id="90" idx="3"/>
+            <a:endCxn id="91" idx="1"/>
+          </p:cNvCxnSpPr>
+          <p:nvPr/>
+        </p:nvCxnSpPr>
+        <p:spPr>
+          <a:xfrm flipV="1">
+            <a:off x="6233109" y="4363251"/>
+            <a:ext cx="592528" cy="1"/>
+          </a:xfrm>
+          <a:prstGeom prst="straightConnector1">
+            <a:avLst/>
+          </a:prstGeom>
+          <a:ln w="28575">
+            <a:solidFill>
+              <a:srgbClr val="84BA42"/>
+            </a:solidFill>
+            <a:prstDash val="dash"/>
+            <a:headEnd type="none" w="med" len="med"/>
+            <a:tailEnd type="arrow" w="med" len="med"/>
+          </a:ln>
+        </p:spPr>
+        <p:style>
+          <a:lnRef idx="2">
+            <a:schemeClr val="accent1"/>
+          </a:lnRef>
+          <a:fillRef idx="0">
+            <a:schemeClr val="accent1"/>
+          </a:fillRef>
+          <a:effectRef idx="1">
+            <a:schemeClr val="accent1"/>
+          </a:effectRef>
+          <a:fontRef idx="minor">
+            <a:schemeClr val="tx1"/>
+          </a:fontRef>
+        </p:style>
+      </p:cxnSp>
+      <p:cxnSp>
+        <p:nvCxnSpPr>
+          <p:cNvPr id="114" name="直线箭头连接符 113">
+            <a:extLst>
+              <a:ext uri="{FF2B5EF4-FFF2-40B4-BE49-F238E27FC236}">
+                <a16:creationId xmlns:a16="http://schemas.microsoft.com/office/drawing/2014/main" id="{2C195B12-4536-4E31-9ABC-AF0365BB17AF}"/>
+              </a:ext>
+            </a:extLst>
+          </p:cNvPr>
+          <p:cNvCxnSpPr>
+            <a:cxnSpLocks/>
+            <a:stCxn id="264" idx="0"/>
+            <a:endCxn id="91" idx="0"/>
+          </p:cNvCxnSpPr>
+          <p:nvPr/>
+        </p:nvCxnSpPr>
+        <p:spPr>
+          <a:xfrm>
+            <a:off x="8005577" y="2709689"/>
+            <a:ext cx="0" cy="719178"/>
+          </a:xfrm>
+          <a:prstGeom prst="straightConnector1">
+            <a:avLst/>
+          </a:prstGeom>
+          <a:ln w="28575">
+            <a:solidFill>
+              <a:srgbClr val="79438E"/>
+            </a:solidFill>
+            <a:prstDash val="dash"/>
+            <a:headEnd type="none" w="med" len="med"/>
+            <a:tailEnd type="arrow" w="med" len="med"/>
+          </a:ln>
+        </p:spPr>
+        <p:style>
+          <a:lnRef idx="2">
+            <a:schemeClr val="accent1"/>
+          </a:lnRef>
+          <a:fillRef idx="0">
+            <a:schemeClr val="accent1"/>
+          </a:fillRef>
+          <a:effectRef idx="1">
+            <a:schemeClr val="accent1"/>
+          </a:effectRef>
+          <a:fontRef idx="minor">
+            <a:schemeClr val="tx1"/>
+          </a:fontRef>
+        </p:style>
+      </p:cxnSp>
+      <p:cxnSp>
+        <p:nvCxnSpPr>
+          <p:cNvPr id="117" name="直线箭头连接符 116">
+            <a:extLst>
+              <a:ext uri="{FF2B5EF4-FFF2-40B4-BE49-F238E27FC236}">
+                <a16:creationId xmlns:a16="http://schemas.microsoft.com/office/drawing/2014/main" id="{2BFFE50F-8930-7BD3-2D9A-A644A4D66B17}"/>
+              </a:ext>
+            </a:extLst>
+          </p:cNvPr>
+          <p:cNvCxnSpPr>
+            <a:cxnSpLocks/>
+            <a:stCxn id="91" idx="3"/>
+            <a:endCxn id="124" idx="1"/>
+          </p:cNvCxnSpPr>
+          <p:nvPr/>
+        </p:nvCxnSpPr>
+        <p:spPr>
+          <a:xfrm>
+            <a:off x="9185516" y="4363251"/>
+            <a:ext cx="592527" cy="0"/>
+          </a:xfrm>
+          <a:prstGeom prst="straightConnector1">
+            <a:avLst/>
+          </a:prstGeom>
+          <a:ln w="28575">
+            <a:solidFill>
+              <a:srgbClr val="C82423"/>
+            </a:solidFill>
+            <a:prstDash val="dash"/>
+            <a:headEnd type="none" w="med" len="med"/>
+            <a:tailEnd type="arrow" w="med" len="med"/>
+          </a:ln>
+        </p:spPr>
+        <p:style>
+          <a:lnRef idx="2">
+            <a:schemeClr val="accent1"/>
+          </a:lnRef>
+          <a:fillRef idx="0">
+            <a:schemeClr val="accent1"/>
+          </a:fillRef>
+          <a:effectRef idx="1">
+            <a:schemeClr val="accent1"/>
+          </a:effectRef>
+          <a:fontRef idx="minor">
+            <a:schemeClr val="tx1"/>
+          </a:fontRef>
+        </p:style>
+      </p:cxnSp>
+      <p:sp>
+        <p:nvSpPr>
+          <p:cNvPr id="124" name="矩形 123">
+            <a:extLst>
+              <a:ext uri="{FF2B5EF4-FFF2-40B4-BE49-F238E27FC236}">
+                <a16:creationId xmlns:a16="http://schemas.microsoft.com/office/drawing/2014/main" id="{10AC26FF-62C2-39F3-C751-E60563EAD549}"/>
+              </a:ext>
+            </a:extLst>
+          </p:cNvPr>
+          <p:cNvSpPr/>
+          <p:nvPr/>
+        </p:nvSpPr>
+        <p:spPr>
+          <a:xfrm>
+            <a:off x="9778043" y="4003596"/>
+            <a:ext cx="900829" cy="719309"/>
+          </a:xfrm>
+          <a:prstGeom prst="rect">
+            <a:avLst/>
+          </a:prstGeom>
+          <a:noFill/>
+          <a:ln w="38100">
+            <a:solidFill>
+              <a:srgbClr val="C82423"/>
+            </a:solidFill>
+          </a:ln>
+        </p:spPr>
+        <p:style>
+          <a:lnRef idx="2">
+            <a:schemeClr val="accent1">
+              <a:shade val="15000"/>
+            </a:schemeClr>
+          </a:lnRef>
+          <a:fillRef idx="1">
+            <a:schemeClr val="accent1"/>
+          </a:fillRef>
+          <a:effectRef idx="0">
+            <a:schemeClr val="accent1"/>
+          </a:effectRef>
+          <a:fontRef idx="minor">
+            <a:schemeClr val="lt1"/>
+          </a:fontRef>
+        </p:style>
+        <p:txBody>
+          <a:bodyPr rtlCol="0" anchor="ctr"/>
+          <a:lstStyle/>
+          <a:p>
+            <a:pPr algn="ctr"/>
+            <a:r>
+              <a:rPr kumimoji="1" lang="zh-CN" altLang="en-US" dirty="0">
+                <a:solidFill>
+                  <a:schemeClr val="tx1"/>
+                </a:solidFill>
+                <a:latin typeface="SimSun" panose="02010600030101010101" pitchFamily="2" charset="-122"/>
+                <a:ea typeface="SimSun" panose="02010600030101010101" pitchFamily="2" charset="-122"/>
+                <a:cs typeface="Times New Roman" panose="02020603050405020304" pitchFamily="18" charset="0"/>
+              </a:rPr>
+              <a:t>相机</a:t>
+            </a:r>
+            <a:endParaRPr kumimoji="1" lang="en-US" altLang="zh-CN" dirty="0">
+              <a:solidFill>
+                <a:schemeClr val="tx1"/>
+              </a:solidFill>
+              <a:latin typeface="SimSun" panose="02010600030101010101" pitchFamily="2" charset="-122"/>
+              <a:ea typeface="SimSun" panose="02010600030101010101" pitchFamily="2" charset="-122"/>
+              <a:cs typeface="Times New Roman" panose="02020603050405020304" pitchFamily="18" charset="0"/>
+            </a:endParaRPr>
+          </a:p>
+          <a:p>
+            <a:pPr algn="ctr"/>
+            <a:r>
+              <a:rPr kumimoji="1" lang="zh-CN" altLang="en-US" dirty="0">
+                <a:solidFill>
+                  <a:schemeClr val="tx1"/>
+                </a:solidFill>
+                <a:latin typeface="SimSun" panose="02010600030101010101" pitchFamily="2" charset="-122"/>
+                <a:ea typeface="SimSun" panose="02010600030101010101" pitchFamily="2" charset="-122"/>
+                <a:cs typeface="Times New Roman" panose="02020603050405020304" pitchFamily="18" charset="0"/>
+              </a:rPr>
+              <a:t>位姿</a:t>
+            </a:r>
+          </a:p>
+        </p:txBody>
+      </p:sp>
+      <p:sp>
+        <p:nvSpPr>
+          <p:cNvPr id="128" name="文本框 127">
+            <a:extLst>
+              <a:ext uri="{FF2B5EF4-FFF2-40B4-BE49-F238E27FC236}">
+                <a16:creationId xmlns:a16="http://schemas.microsoft.com/office/drawing/2014/main" id="{BB992140-5739-D497-DF9B-E32EAEABC36A}"/>
+              </a:ext>
+            </a:extLst>
+          </p:cNvPr>
+          <p:cNvSpPr txBox="1"/>
+          <p:nvPr/>
+        </p:nvSpPr>
+        <p:spPr>
+          <a:xfrm>
+            <a:off x="4499171" y="1595499"/>
+            <a:ext cx="1107996" cy="369332"/>
+          </a:xfrm>
+          <a:prstGeom prst="rect">
+            <a:avLst/>
+          </a:prstGeom>
+          <a:noFill/>
+        </p:spPr>
+        <p:txBody>
+          <a:bodyPr wrap="none" rtlCol="0">
+            <a:spAutoFit/>
+          </a:bodyPr>
+          <a:lstStyle/>
+          <a:p>
+            <a:pPr algn="ctr"/>
+            <a:r>
+              <a:rPr kumimoji="1" lang="zh-CN" altLang="en-US" dirty="0">
+                <a:latin typeface="SimSun" panose="02010600030101010101" pitchFamily="2" charset="-122"/>
+                <a:ea typeface="SimSun" panose="02010600030101010101" pitchFamily="2" charset="-122"/>
+              </a:rPr>
+              <a:t>离线建图</a:t>
+            </a:r>
+          </a:p>
+        </p:txBody>
+      </p:sp>
+      <p:sp>
+        <p:nvSpPr>
+          <p:cNvPr id="129" name="文本框 128">
+            <a:extLst>
+              <a:ext uri="{FF2B5EF4-FFF2-40B4-BE49-F238E27FC236}">
+                <a16:creationId xmlns:a16="http://schemas.microsoft.com/office/drawing/2014/main" id="{A73A62FE-86DD-38B9-18B5-9EB7FEA22F51}"/>
+              </a:ext>
+            </a:extLst>
+          </p:cNvPr>
+          <p:cNvSpPr txBox="1"/>
+          <p:nvPr/>
+        </p:nvSpPr>
+        <p:spPr>
+          <a:xfrm>
+            <a:off x="4152922" y="4178584"/>
+            <a:ext cx="1800493" cy="646331"/>
+          </a:xfrm>
+          <a:prstGeom prst="rect">
+            <a:avLst/>
+          </a:prstGeom>
+          <a:noFill/>
+        </p:spPr>
+        <p:txBody>
+          <a:bodyPr wrap="none" rtlCol="0">
+            <a:spAutoFit/>
+          </a:bodyPr>
+          <a:lstStyle/>
+          <a:p>
+            <a:pPr algn="ctr"/>
+            <a:r>
+              <a:rPr kumimoji="1" lang="zh-CN" altLang="en-US" dirty="0">
+                <a:latin typeface="SimSun" panose="02010600030101010101" pitchFamily="2" charset="-122"/>
+                <a:ea typeface="SimSun" panose="02010600030101010101" pitchFamily="2" charset="-122"/>
+              </a:rPr>
+              <a:t>视觉惯性里程计</a:t>
+            </a:r>
+            <a:endParaRPr kumimoji="1" lang="en-US" altLang="zh-CN" dirty="0">
+              <a:latin typeface="SimSun" panose="02010600030101010101" pitchFamily="2" charset="-122"/>
+              <a:ea typeface="SimSun" panose="02010600030101010101" pitchFamily="2" charset="-122"/>
+            </a:endParaRPr>
+          </a:p>
+          <a:p>
+            <a:pPr algn="ctr"/>
+            <a:r>
+              <a:rPr kumimoji="1" lang="en-US" altLang="zh-CN" dirty="0">
+                <a:latin typeface="Times New Roman" panose="02020603050405020304" pitchFamily="18" charset="0"/>
+                <a:ea typeface="SimSun" panose="02010600030101010101" pitchFamily="2" charset="-122"/>
+                <a:cs typeface="Times New Roman" panose="02020603050405020304" pitchFamily="18" charset="0"/>
+              </a:rPr>
+              <a:t>(VIO)</a:t>
+            </a:r>
+          </a:p>
+        </p:txBody>
+      </p:sp>
+      <p:sp>
+        <p:nvSpPr>
+          <p:cNvPr id="130" name="文本框 129">
+            <a:extLst>
+              <a:ext uri="{FF2B5EF4-FFF2-40B4-BE49-F238E27FC236}">
+                <a16:creationId xmlns:a16="http://schemas.microsoft.com/office/drawing/2014/main" id="{021C13E9-5C6A-EA23-0156-3CBE06A32FBA}"/>
+              </a:ext>
+            </a:extLst>
+          </p:cNvPr>
+          <p:cNvSpPr txBox="1"/>
+          <p:nvPr/>
+        </p:nvSpPr>
+        <p:spPr>
+          <a:xfrm>
+            <a:off x="7105330" y="4178584"/>
+            <a:ext cx="1800493" cy="369332"/>
+          </a:xfrm>
+          <a:prstGeom prst="rect">
+            <a:avLst/>
+          </a:prstGeom>
+          <a:noFill/>
+        </p:spPr>
+        <p:txBody>
+          <a:bodyPr wrap="none" rtlCol="0">
+            <a:spAutoFit/>
+          </a:bodyPr>
+          <a:lstStyle/>
+          <a:p>
+            <a:pPr algn="ctr"/>
+            <a:r>
+              <a:rPr kumimoji="1" lang="zh-CN" altLang="en-US" dirty="0">
+                <a:latin typeface="SimSun" panose="02010600030101010101" pitchFamily="2" charset="-122"/>
+                <a:ea typeface="SimSun" panose="02010600030101010101" pitchFamily="2" charset="-122"/>
+              </a:rPr>
+              <a:t>紧耦合地图定位</a:t>
+            </a:r>
+          </a:p>
+        </p:txBody>
+      </p:sp>
+      <p:sp>
+        <p:nvSpPr>
+          <p:cNvPr id="136" name="矩形 135">
+            <a:extLst>
+              <a:ext uri="{FF2B5EF4-FFF2-40B4-BE49-F238E27FC236}">
+                <a16:creationId xmlns:a16="http://schemas.microsoft.com/office/drawing/2014/main" id="{516F71D2-5620-9984-2AD8-2F76DEB946E0}"/>
+              </a:ext>
+            </a:extLst>
+          </p:cNvPr>
+          <p:cNvSpPr/>
+          <p:nvPr/>
+        </p:nvSpPr>
+        <p:spPr>
+          <a:xfrm>
+            <a:off x="2670563" y="1992809"/>
+            <a:ext cx="900828" cy="719310"/>
+          </a:xfrm>
+          <a:prstGeom prst="rect">
+            <a:avLst/>
+          </a:prstGeom>
+          <a:noFill/>
+          <a:ln>
+            <a:solidFill>
+              <a:schemeClr val="tx1"/>
+            </a:solidFill>
+          </a:ln>
+        </p:spPr>
+        <p:style>
+          <a:lnRef idx="2">
+            <a:schemeClr val="accent1">
+              <a:shade val="15000"/>
+            </a:schemeClr>
+          </a:lnRef>
+          <a:fillRef idx="1">
+            <a:schemeClr val="accent1"/>
+          </a:fillRef>
+          <a:effectRef idx="0">
+            <a:schemeClr val="accent1"/>
+          </a:effectRef>
+          <a:fontRef idx="minor">
+            <a:schemeClr val="lt1"/>
+          </a:fontRef>
+        </p:style>
+        <p:txBody>
+          <a:bodyPr rtlCol="0" anchor="ctr"/>
+          <a:lstStyle/>
+          <a:p>
+            <a:pPr algn="ctr"/>
+            <a:r>
+              <a:rPr kumimoji="1" lang="en-US" altLang="zh-CN" dirty="0">
+                <a:solidFill>
+                  <a:schemeClr val="tx1"/>
+                </a:solidFill>
+                <a:latin typeface="Times New Roman" panose="02020603050405020304" pitchFamily="18" charset="0"/>
+                <a:cs typeface="Times New Roman" panose="02020603050405020304" pitchFamily="18" charset="0"/>
+              </a:rPr>
+              <a:t>GNSS</a:t>
+            </a:r>
+            <a:endParaRPr kumimoji="1" lang="zh-CN" altLang="en-US" dirty="0">
+              <a:solidFill>
+                <a:schemeClr val="tx1"/>
+              </a:solidFill>
+              <a:latin typeface="Times New Roman" panose="02020603050405020304" pitchFamily="18" charset="0"/>
+              <a:cs typeface="Times New Roman" panose="02020603050405020304" pitchFamily="18" charset="0"/>
+            </a:endParaRPr>
+          </a:p>
+        </p:txBody>
+      </p:sp>
+      <p:cxnSp>
+        <p:nvCxnSpPr>
+          <p:cNvPr id="137" name="肘形连接符 136">
+            <a:extLst>
+              <a:ext uri="{FF2B5EF4-FFF2-40B4-BE49-F238E27FC236}">
+                <a16:creationId xmlns:a16="http://schemas.microsoft.com/office/drawing/2014/main" id="{4AFE4DE0-704C-C069-8B99-7AB2A4D45606}"/>
+              </a:ext>
+            </a:extLst>
+          </p:cNvPr>
+          <p:cNvCxnSpPr>
+            <a:cxnSpLocks/>
+            <a:stCxn id="136" idx="0"/>
+            <a:endCxn id="12" idx="1"/>
+          </p:cNvCxnSpPr>
+          <p:nvPr/>
+        </p:nvCxnSpPr>
+        <p:spPr>
+          <a:xfrm rot="5400000" flipH="1" flipV="1">
+            <a:off x="3390782" y="1510362"/>
+            <a:ext cx="212642" cy="752253"/>
+          </a:xfrm>
+          <a:prstGeom prst="bentConnector2">
+            <a:avLst/>
+          </a:prstGeom>
+          <a:ln w="28575">
+            <a:solidFill>
+              <a:srgbClr val="79438E"/>
+            </a:solidFill>
+            <a:prstDash val="dash"/>
+            <a:headEnd type="none" w="med" len="med"/>
+            <a:tailEnd type="arrow" w="med" len="med"/>
+          </a:ln>
+        </p:spPr>
+        <p:style>
+          <a:lnRef idx="2">
+            <a:schemeClr val="accent1"/>
+          </a:lnRef>
+          <a:fillRef idx="0">
+            <a:schemeClr val="accent1"/>
+          </a:fillRef>
+          <a:effectRef idx="1">
+            <a:schemeClr val="accent1"/>
+          </a:effectRef>
+          <a:fontRef idx="minor">
+            <a:schemeClr val="tx1"/>
+          </a:fontRef>
+        </p:style>
+      </p:cxnSp>
+      <p:grpSp>
+        <p:nvGrpSpPr>
+          <p:cNvPr id="170" name="组合 169">
+            <a:extLst>
+              <a:ext uri="{FF2B5EF4-FFF2-40B4-BE49-F238E27FC236}">
+                <a16:creationId xmlns:a16="http://schemas.microsoft.com/office/drawing/2014/main" id="{DA0811C1-95C4-F2AA-B1D8-477EEBA93444}"/>
+              </a:ext>
+            </a:extLst>
+          </p:cNvPr>
+          <p:cNvGrpSpPr/>
+          <p:nvPr/>
+        </p:nvGrpSpPr>
+        <p:grpSpPr>
+          <a:xfrm>
+            <a:off x="874601" y="2080658"/>
+            <a:ext cx="9833729" cy="2036250"/>
+            <a:chOff x="807157" y="2044874"/>
+            <a:chExt cx="9833729" cy="2036250"/>
+          </a:xfrm>
+        </p:grpSpPr>
+        <p:cxnSp>
+          <p:nvCxnSpPr>
+            <p:cNvPr id="165" name="直线连接符 164">
+              <a:extLst>
+                <a:ext uri="{FF2B5EF4-FFF2-40B4-BE49-F238E27FC236}">
+                  <a16:creationId xmlns:a16="http://schemas.microsoft.com/office/drawing/2014/main" id="{64360EB7-E86D-C12D-3056-4A5E3214A316}"/>
+                </a:ext>
+              </a:extLst>
+            </p:cNvPr>
+            <p:cNvCxnSpPr/>
+            <p:nvPr/>
+          </p:nvCxnSpPr>
+          <p:spPr>
+            <a:xfrm>
+              <a:off x="898448" y="3069278"/>
+              <a:ext cx="9742438" cy="0"/>
+            </a:xfrm>
+            <a:prstGeom prst="line">
+              <a:avLst/>
+            </a:prstGeom>
+            <a:ln w="38100">
+              <a:solidFill>
+                <a:schemeClr val="tx1"/>
+              </a:solidFill>
+            </a:ln>
+          </p:spPr>
+          <p:style>
+            <a:lnRef idx="2">
+              <a:schemeClr val="accent1"/>
+            </a:lnRef>
+            <a:fillRef idx="0">
+              <a:schemeClr val="accent1"/>
+            </a:fillRef>
+            <a:effectRef idx="1">
+              <a:schemeClr val="accent1"/>
+            </a:effectRef>
+            <a:fontRef idx="minor">
+              <a:schemeClr val="tx1"/>
+            </a:fontRef>
+          </p:style>
+        </p:cxnSp>
+        <p:sp>
+          <p:nvSpPr>
+            <p:cNvPr id="168" name="文本框 167">
+              <a:extLst>
+                <a:ext uri="{FF2B5EF4-FFF2-40B4-BE49-F238E27FC236}">
+                  <a16:creationId xmlns:a16="http://schemas.microsoft.com/office/drawing/2014/main" id="{307461DB-B2A6-6B55-D1B6-E30CE415453A}"/>
+                </a:ext>
+              </a:extLst>
+            </p:cNvPr>
+            <p:cNvSpPr txBox="1"/>
+            <p:nvPr/>
+          </p:nvSpPr>
+          <p:spPr>
+            <a:xfrm rot="16200000">
+              <a:off x="488951" y="2366131"/>
+              <a:ext cx="1011846" cy="369332"/>
+            </a:xfrm>
+            <a:prstGeom prst="rect">
+              <a:avLst/>
+            </a:prstGeom>
+            <a:noFill/>
+          </p:spPr>
+          <p:txBody>
+            <a:bodyPr wrap="square" rtlCol="0">
+              <a:spAutoFit/>
+            </a:bodyPr>
+            <a:lstStyle/>
+            <a:p>
+              <a:pPr algn="ctr"/>
+              <a:r>
+                <a:rPr kumimoji="1" lang="zh-CN" altLang="en-US" b="1" dirty="0">
+                  <a:latin typeface="SimSun" panose="02010600030101010101" pitchFamily="2" charset="-122"/>
+                  <a:ea typeface="SimSun" panose="02010600030101010101" pitchFamily="2" charset="-122"/>
+                </a:rPr>
+                <a:t>建图</a:t>
+              </a:r>
+            </a:p>
+          </p:txBody>
+        </p:sp>
+        <p:sp>
+          <p:nvSpPr>
+            <p:cNvPr id="169" name="文本框 168">
+              <a:extLst>
+                <a:ext uri="{FF2B5EF4-FFF2-40B4-BE49-F238E27FC236}">
+                  <a16:creationId xmlns:a16="http://schemas.microsoft.com/office/drawing/2014/main" id="{0A172EF2-0824-70D2-FAA2-D28AA4E5364A}"/>
+                </a:ext>
+              </a:extLst>
+            </p:cNvPr>
+            <p:cNvSpPr txBox="1"/>
+            <p:nvPr/>
+          </p:nvSpPr>
+          <p:spPr>
+            <a:xfrm rot="16200000">
+              <a:off x="485900" y="3390535"/>
+              <a:ext cx="1011846" cy="369332"/>
+            </a:xfrm>
+            <a:prstGeom prst="rect">
+              <a:avLst/>
+            </a:prstGeom>
+            <a:noFill/>
+          </p:spPr>
+          <p:txBody>
+            <a:bodyPr wrap="square" rtlCol="0">
+              <a:spAutoFit/>
+            </a:bodyPr>
+            <a:lstStyle/>
+            <a:p>
+              <a:pPr algn="ctr"/>
+              <a:r>
+                <a:rPr kumimoji="1" lang="zh-CN" altLang="en-US" b="1" dirty="0">
+                  <a:latin typeface="SimSun" panose="02010600030101010101" pitchFamily="2" charset="-122"/>
+                  <a:ea typeface="SimSun" panose="02010600030101010101" pitchFamily="2" charset="-122"/>
+                </a:rPr>
+                <a:t>定位</a:t>
+              </a:r>
+            </a:p>
+          </p:txBody>
+        </p:sp>
+      </p:grpSp>
+    </p:spTree>
+    <p:extLst>
+      <p:ext uri="{BB962C8B-B14F-4D97-AF65-F5344CB8AC3E}">
+        <p14:creationId xmlns:p14="http://schemas.microsoft.com/office/powerpoint/2010/main" val="1576082686"/>
+      </p:ext>
+    </p:extLst>
+  </p:cSld>
+  <p:clrMapOvr>
+    <a:masterClrMapping/>
+  </p:clrMapOvr>
+</p:sld>
+</file>
+
+<file path=ppt/slides/slide3.xml><?xml version="1.0" encoding="utf-8"?>
+<p:sld xmlns:a="http://schemas.openxmlformats.org/drawingml/2006/main" xmlns:r="http://schemas.openxmlformats.org/officeDocument/2006/relationships" xmlns:p="http://schemas.openxmlformats.org/presentationml/2006/main">
+  <p:cSld>
+    <p:spTree>
+      <p:nvGrpSpPr>
+        <p:cNvPr id="1" name="">
+          <a:extLst>
+            <a:ext uri="{FF2B5EF4-FFF2-40B4-BE49-F238E27FC236}">
               <a16:creationId xmlns:a16="http://schemas.microsoft.com/office/drawing/2014/main" id="{5B6FD6C5-859D-E888-5003-3CD4C2F61517}"/>
             </a:ext>
           </a:extLst>
@@ -6431,7 +8023,7 @@
 </p:sld>
 </file>
 
-<file path=ppt/slides/slide3.xml><?xml version="1.0" encoding="utf-8"?>
+<file path=ppt/slides/slide4.xml><?xml version="1.0" encoding="utf-8"?>
 <p:sld xmlns:a="http://schemas.openxmlformats.org/drawingml/2006/main" xmlns:r="http://schemas.openxmlformats.org/officeDocument/2006/relationships" xmlns:p="http://schemas.openxmlformats.org/presentationml/2006/main">
   <p:cSld>
     <p:spTree>
@@ -8021,7 +9613,7 @@
 </p:sld>
 </file>
 
-<file path=ppt/slides/slide4.xml><?xml version="1.0" encoding="utf-8"?>
+<file path=ppt/slides/slide5.xml><?xml version="1.0" encoding="utf-8"?>
 <p:sld xmlns:a="http://schemas.openxmlformats.org/drawingml/2006/main" xmlns:r="http://schemas.openxmlformats.org/officeDocument/2006/relationships" xmlns:p="http://schemas.openxmlformats.org/presentationml/2006/main">
   <p:cSld>
     <p:spTree>
@@ -9240,7 +10832,7 @@
 </p:sld>
 </file>
 
-<file path=ppt/slides/slide5.xml><?xml version="1.0" encoding="utf-8"?>
+<file path=ppt/slides/slide6.xml><?xml version="1.0" encoding="utf-8"?>
 <p:sld xmlns:a="http://schemas.openxmlformats.org/drawingml/2006/main" xmlns:r="http://schemas.openxmlformats.org/officeDocument/2006/relationships" xmlns:p="http://schemas.openxmlformats.org/presentationml/2006/main">
   <p:cSld>
     <p:spTree>
